--- a/NW-Parallel Presentation.pptx
+++ b/NW-Parallel Presentation.pptx
@@ -819,11 +819,48 @@
           </a:bodyPr>
           <a:lstStyle/>
           <a:p>
-            <a:pPr>
-              <a:spcBef>
-                <a:spcPts val="0"/>
-              </a:spcBef>
-              <a:buNone/>
+            <a:pPr marL="171450" indent="-171450">
+              <a:spcBef>
+                <a:spcPts val="0"/>
+              </a:spcBef>
+              <a:buFontTx/>
+              <a:buChar char="-"/>
+            </a:pPr>
+            <a:r>
+              <a:rPr lang="en-US" baseline="0" dirty="0"/>
+              <a:t>Global Alignment is show the relationship between the sequences</a:t>
+            </a:r>
+          </a:p>
+          <a:p>
+            <a:pPr marL="171450" indent="-171450">
+              <a:spcBef>
+                <a:spcPts val="0"/>
+              </a:spcBef>
+              <a:buFontTx/>
+              <a:buChar char="-"/>
+            </a:pPr>
+            <a:r>
+              <a:rPr lang="en-US" baseline="0" dirty="0"/>
+              <a:t>Matrix is the most expensive part</a:t>
+            </a:r>
+          </a:p>
+          <a:p>
+            <a:pPr marL="171450" indent="-171450">
+              <a:spcBef>
+                <a:spcPts val="0"/>
+              </a:spcBef>
+              <a:buFontTx/>
+              <a:buChar char="-"/>
+            </a:pPr>
+            <a:endParaRPr lang="en-US" baseline="0" dirty="0"/>
+          </a:p>
+          <a:p>
+            <a:pPr marL="171450" indent="-171450">
+              <a:spcBef>
+                <a:spcPts val="0"/>
+              </a:spcBef>
+              <a:buFontTx/>
+              <a:buChar char="-"/>
             </a:pPr>
             <a:endParaRPr dirty="0"/>
           </a:p>
@@ -9077,9 +9114,116 @@
               <a:buFont typeface="Arial" panose="020B0604020202020204" pitchFamily="34" charset="0"/>
               <a:buChar char="•"/>
             </a:pPr>
-            <a:endParaRPr lang="en-US" sz="1900" dirty="0">
-              <a:latin typeface="+mn-lt"/>
-            </a:endParaRPr>
+            <a:r>
+              <a:rPr lang="en-US" sz="1900" dirty="0">
+                <a:latin typeface="+mn-lt"/>
+              </a:rPr>
+              <a:t>Needleman-Wunch is also known as the global alignment algorithm </a:t>
+            </a:r>
+          </a:p>
+          <a:p>
+            <a:pPr marL="285750" indent="-285750" algn="just">
+              <a:spcBef>
+                <a:spcPts val="600"/>
+              </a:spcBef>
+              <a:spcAft>
+                <a:spcPts val="600"/>
+              </a:spcAft>
+              <a:buFont typeface="Arial" panose="020B0604020202020204" pitchFamily="34" charset="0"/>
+              <a:buChar char="•"/>
+            </a:pPr>
+            <a:r>
+              <a:rPr lang="en-US" sz="1900" dirty="0">
+                <a:latin typeface="+mn-lt"/>
+              </a:rPr>
+              <a:t>Discovers the optimal alignment between two sequences</a:t>
+            </a:r>
+          </a:p>
+          <a:p>
+            <a:pPr marL="285750" indent="-285750" algn="just">
+              <a:spcBef>
+                <a:spcPts val="600"/>
+              </a:spcBef>
+              <a:spcAft>
+                <a:spcPts val="600"/>
+              </a:spcAft>
+              <a:buFont typeface="Arial" panose="020B0604020202020204" pitchFamily="34" charset="0"/>
+              <a:buChar char="•"/>
+            </a:pPr>
+            <a:r>
+              <a:rPr lang="en-US" sz="1900" dirty="0">
+                <a:latin typeface="+mn-lt"/>
+              </a:rPr>
+              <a:t>Dynamic Programming Approach</a:t>
+            </a:r>
+          </a:p>
+          <a:p>
+            <a:pPr marL="285750" indent="-285750" algn="just">
+              <a:spcBef>
+                <a:spcPts val="600"/>
+              </a:spcBef>
+              <a:spcAft>
+                <a:spcPts val="600"/>
+              </a:spcAft>
+              <a:buFont typeface="Arial" panose="020B0604020202020204" pitchFamily="34" charset="0"/>
+              <a:buChar char="•"/>
+            </a:pPr>
+            <a:r>
+              <a:rPr lang="en-US" sz="1900" dirty="0">
+                <a:latin typeface="+mn-lt"/>
+              </a:rPr>
+              <a:t>Scoring System: GAP, MISMATCH, MATCH </a:t>
+            </a:r>
+          </a:p>
+          <a:p>
+            <a:pPr marL="285750" indent="-285750" algn="just">
+              <a:spcBef>
+                <a:spcPts val="600"/>
+              </a:spcBef>
+              <a:spcAft>
+                <a:spcPts val="600"/>
+              </a:spcAft>
+              <a:buFont typeface="Arial" panose="020B0604020202020204" pitchFamily="34" charset="0"/>
+              <a:buChar char="•"/>
+            </a:pPr>
+            <a:r>
+              <a:rPr lang="en-US" sz="1900" dirty="0">
+                <a:latin typeface="+mn-lt"/>
+              </a:rPr>
+              <a:t>Two Elements in NW:</a:t>
+            </a:r>
+          </a:p>
+          <a:p>
+            <a:pPr lvl="2" algn="just">
+              <a:spcBef>
+                <a:spcPts val="600"/>
+              </a:spcBef>
+              <a:spcAft>
+                <a:spcPts val="600"/>
+              </a:spcAft>
+            </a:pPr>
+            <a:r>
+              <a:rPr lang="en-US" sz="1900" dirty="0">
+                <a:latin typeface="+mn-lt"/>
+              </a:rPr>
+              <a:t>	1. Filling the Matrix</a:t>
+            </a:r>
+          </a:p>
+          <a:p>
+            <a:pPr lvl="2" algn="just">
+              <a:spcBef>
+                <a:spcPts val="600"/>
+              </a:spcBef>
+              <a:spcAft>
+                <a:spcPts val="600"/>
+              </a:spcAft>
+            </a:pPr>
+            <a:r>
+              <a:rPr lang="en-US" sz="1900" dirty="0">
+                <a:latin typeface="+mn-lt"/>
+              </a:rPr>
+              <a:t>	2. Trace Back</a:t>
+            </a:r>
           </a:p>
         </p:txBody>
       </p:sp>
@@ -9160,6 +9304,99 @@
                 <a:latin typeface="+mj-lt"/>
               </a:rPr>
               <a:t>ALGORITHM IMPLEMENTED</a:t>
+            </a:r>
+          </a:p>
+        </p:txBody>
+      </p:sp>
+      <p:sp>
+        <p:nvSpPr>
+          <p:cNvPr id="2" name="TextBox 1"/>
+          <p:cNvSpPr txBox="1"/>
+          <p:nvPr/>
+        </p:nvSpPr>
+        <p:spPr>
+          <a:xfrm>
+            <a:off x="1473019" y="1008185"/>
+            <a:ext cx="1893467" cy="1723549"/>
+          </a:xfrm>
+          <a:prstGeom prst="rect">
+            <a:avLst/>
+          </a:prstGeom>
+          <a:noFill/>
+        </p:spPr>
+        <p:txBody>
+          <a:bodyPr wrap="none" rtlCol="0">
+            <a:spAutoFit/>
+          </a:bodyPr>
+          <a:lstStyle/>
+          <a:p>
+            <a:pPr algn="just">
+              <a:spcBef>
+                <a:spcPts val="600"/>
+              </a:spcBef>
+              <a:spcAft>
+                <a:spcPts val="600"/>
+              </a:spcAft>
+            </a:pPr>
+            <a:r>
+              <a:rPr lang="en-US" sz="1900" dirty="0">
+                <a:latin typeface="+mn-lt"/>
+              </a:rPr>
+              <a:t>Scoring System</a:t>
+            </a:r>
+          </a:p>
+          <a:p>
+            <a:pPr marL="285750" indent="-285750" algn="just">
+              <a:spcBef>
+                <a:spcPts val="600"/>
+              </a:spcBef>
+              <a:spcAft>
+                <a:spcPts val="600"/>
+              </a:spcAft>
+              <a:buFont typeface="Arial" panose="020B0604020202020204" pitchFamily="34" charset="0"/>
+              <a:buChar char="•"/>
+            </a:pPr>
+            <a:r>
+              <a:rPr lang="en-US" sz="1900" dirty="0">
+                <a:latin typeface="+mn-lt"/>
+              </a:rPr>
+              <a:t>Match 2</a:t>
+            </a:r>
+          </a:p>
+          <a:p>
+            <a:pPr marL="285750" indent="-285750" algn="just">
+              <a:spcBef>
+                <a:spcPts val="600"/>
+              </a:spcBef>
+              <a:spcAft>
+                <a:spcPts val="600"/>
+              </a:spcAft>
+              <a:buFont typeface="Arial" panose="020B0604020202020204" pitchFamily="34" charset="0"/>
+              <a:buChar char="•"/>
+            </a:pPr>
+            <a:r>
+              <a:rPr lang="en-US" sz="1900" dirty="0">
+                <a:latin typeface="+mn-lt"/>
+              </a:rPr>
+              <a:t>Mismatch -1</a:t>
+            </a:r>
+          </a:p>
+          <a:p>
+            <a:pPr marL="285750" indent="-285750" algn="just">
+              <a:spcBef>
+                <a:spcPts val="600"/>
+              </a:spcBef>
+              <a:spcAft>
+                <a:spcPts val="600"/>
+              </a:spcAft>
+              <a:buFont typeface="Arial" panose="020B0604020202020204" pitchFamily="34" charset="0"/>
+              <a:buChar char="•"/>
+            </a:pPr>
+            <a:r>
+              <a:rPr lang="en-US" sz="1900" dirty="0">
+                <a:latin typeface="+mn-lt"/>
+              </a:rPr>
+              <a:t>Gap -2</a:t>
             </a:r>
           </a:p>
         </p:txBody>

--- a/NW-Parallel Presentation.pptx
+++ b/NW-Parallel Presentation.pptx
@@ -23,9 +23,20 @@
   <p:notesSz cx="6858000" cy="9144000"/>
   <p:embeddedFontLst>
     <p:embeddedFont>
+      <p:font typeface="Calibri" panose="020F0502020204030204" pitchFamily="34" charset="0"/>
+      <p:regular r:id="rId13"/>
+      <p:bold r:id="rId14"/>
+      <p:italic r:id="rId15"/>
+      <p:boldItalic r:id="rId16"/>
+    </p:embeddedFont>
+    <p:embeddedFont>
       <p:font typeface="Muli" panose="020B0604020202020204" charset="0"/>
-      <p:regular r:id="rId13"/>
-      <p:italic r:id="rId14"/>
+      <p:regular r:id="rId17"/>
+      <p:italic r:id="rId18"/>
+    </p:embeddedFont>
+    <p:embeddedFont>
+      <p:font typeface="Cambria Math" panose="02040503050406030204" pitchFamily="18" charset="0"/>
+      <p:regular r:id="rId19"/>
     </p:embeddedFont>
   </p:embeddedFontLst>
   <p:defaultTextStyle>
@@ -8013,11 +8024,14 @@
               <a:t>st</a:t>
             </a:r>
             <a:r>
-              <a:rPr lang="en" sz="1800" dirty="0">
+              <a:rPr lang="en" sz="1800">
                 <a:latin typeface="+mn-lt"/>
               </a:rPr>
-              <a:t>, 2015</a:t>
+              <a:t>, 2016</a:t>
             </a:r>
+            <a:endParaRPr lang="en" sz="1800" dirty="0">
+              <a:latin typeface="+mn-lt"/>
+            </a:endParaRPr>
           </a:p>
           <a:p>
             <a:pPr>
@@ -8153,7 +8167,7 @@
         </p:nvSpPr>
         <p:spPr>
           <a:xfrm>
-            <a:off x="2880950" y="1061352"/>
+            <a:off x="2758388" y="1058784"/>
             <a:ext cx="3365399" cy="1447750"/>
           </a:xfrm>
           <a:prstGeom prst="rect">
@@ -8197,8 +8211,8 @@
         </p:nvSpPr>
         <p:spPr>
           <a:xfrm>
-            <a:off x="3015609" y="2509102"/>
-            <a:ext cx="3341000" cy="2491662"/>
+            <a:off x="2638950" y="2435742"/>
+            <a:ext cx="3927471" cy="2634397"/>
           </a:xfrm>
           <a:prstGeom prst="rect">
             <a:avLst/>
@@ -8214,7 +8228,11 @@
           </a:bodyPr>
           <a:lstStyle/>
           <a:p>
-            <a:pPr marL="171450" indent="-171450"/>
+            <a:pPr marL="171450" indent="-171450">
+              <a:lnSpc>
+                <a:spcPct val="150000"/>
+              </a:lnSpc>
+            </a:pPr>
             <a:r>
               <a:rPr lang="en-US" sz="2200" dirty="0">
                 <a:solidFill>
@@ -8222,7 +8240,7 @@
                 </a:solidFill>
                 <a:sym typeface="Muli"/>
               </a:rPr>
-              <a:t>Template</a:t>
+              <a:t>Optimizing the execution time through a concurrent program for the Needleman-Wunch algorithm</a:t>
             </a:r>
             <a:endParaRPr lang="en" sz="2200" dirty="0">
               <a:solidFill>
@@ -9225,6 +9243,42 @@
               <a:t>	2. Trace Back</a:t>
             </a:r>
           </a:p>
+          <a:p>
+            <a:pPr marL="342900" lvl="2" indent="-342900" algn="just">
+              <a:spcBef>
+                <a:spcPts val="600"/>
+              </a:spcBef>
+              <a:spcAft>
+                <a:spcPts val="600"/>
+              </a:spcAft>
+              <a:buFont typeface="Arial" panose="020B0604020202020204" pitchFamily="34" charset="0"/>
+              <a:buChar char="•"/>
+            </a:pPr>
+            <a:r>
+              <a:rPr lang="en-US" sz="1900" dirty="0">
+                <a:latin typeface="+mn-lt"/>
+              </a:rPr>
+              <a:t>Time Complexity</a:t>
+            </a:r>
+            <a:r>
+              <a:rPr lang="en-US" sz="1900">
+                <a:latin typeface="+mn-lt"/>
+              </a:rPr>
+              <a:t>: O (</a:t>
+            </a:r>
+            <a:r>
+              <a:rPr lang="en-US" sz="1900" dirty="0" err="1">
+                <a:latin typeface="+mn-lt"/>
+              </a:rPr>
+              <a:t>mn</a:t>
+            </a:r>
+            <a:r>
+              <a:rPr lang="en-US" sz="1900" dirty="0">
+                <a:latin typeface="+mn-lt"/>
+              </a:rPr>
+              <a:t>)</a:t>
+            </a:r>
+          </a:p>
         </p:txBody>
       </p:sp>
     </p:spTree>
@@ -9316,8 +9370,8 @@
         </p:nvSpPr>
         <p:spPr>
           <a:xfrm>
-            <a:off x="1473019" y="1008185"/>
-            <a:ext cx="1893467" cy="1723549"/>
+            <a:off x="1418491" y="1042077"/>
+            <a:ext cx="2028119" cy="1723549"/>
           </a:xfrm>
           <a:prstGeom prst="rect">
             <a:avLst/>
@@ -9339,7 +9393,7 @@
               </a:spcAft>
             </a:pPr>
             <a:r>
-              <a:rPr lang="en-US" sz="1900" dirty="0">
+              <a:rPr lang="en-US" sz="1900" b="1" dirty="0">
                 <a:latin typeface="+mn-lt"/>
               </a:rPr>
               <a:t>Scoring System</a:t>
@@ -9397,6 +9451,520 @@
                 <a:latin typeface="+mn-lt"/>
               </a:rPr>
               <a:t>Gap -2</a:t>
+            </a:r>
+          </a:p>
+        </p:txBody>
+      </p:sp>
+      <p:sp>
+        <p:nvSpPr>
+          <p:cNvPr id="4" name="Rectangle 3"/>
+          <p:cNvSpPr/>
+          <p:nvPr/>
+        </p:nvSpPr>
+        <p:spPr>
+          <a:xfrm>
+            <a:off x="3610707" y="967037"/>
+            <a:ext cx="4222064" cy="2822010"/>
+          </a:xfrm>
+          <a:prstGeom prst="rect">
+            <a:avLst/>
+          </a:prstGeom>
+          <a:solidFill>
+            <a:schemeClr val="bg1"/>
+          </a:solidFill>
+          <a:ln>
+            <a:noFill/>
+          </a:ln>
+        </p:spPr>
+        <p:style>
+          <a:lnRef idx="2">
+            <a:schemeClr val="accent1">
+              <a:shade val="50000"/>
+            </a:schemeClr>
+          </a:lnRef>
+          <a:fillRef idx="1">
+            <a:schemeClr val="accent1"/>
+          </a:fillRef>
+          <a:effectRef idx="0">
+            <a:schemeClr val="accent1"/>
+          </a:effectRef>
+          <a:fontRef idx="minor">
+            <a:schemeClr val="lt1"/>
+          </a:fontRef>
+        </p:style>
+        <p:txBody>
+          <a:bodyPr rtlCol="0" anchor="ctr"/>
+          <a:lstStyle/>
+          <a:p>
+            <a:pPr algn="ctr"/>
+            <a:endParaRPr lang="en-US"/>
+          </a:p>
+        </p:txBody>
+      </p:sp>
+      <p:pic>
+        <p:nvPicPr>
+          <p:cNvPr id="3" name="Picture 2"/>
+          <p:cNvPicPr>
+            <a:picLocks noChangeAspect="1"/>
+          </p:cNvPicPr>
+          <p:nvPr/>
+        </p:nvPicPr>
+        <p:blipFill>
+          <a:blip r:embed="rId4"/>
+          <a:stretch>
+            <a:fillRect/>
+          </a:stretch>
+        </p:blipFill>
+        <p:spPr>
+          <a:xfrm>
+            <a:off x="3610707" y="947530"/>
+            <a:ext cx="4203403" cy="2841517"/>
+          </a:xfrm>
+          <a:prstGeom prst="rect">
+            <a:avLst/>
+          </a:prstGeom>
+        </p:spPr>
+      </p:pic>
+      <mc:AlternateContent xmlns:mc="http://schemas.openxmlformats.org/markup-compatibility/2006">
+        <mc:Choice xmlns:a14="http://schemas.microsoft.com/office/drawing/2010/main" Requires="a14">
+          <p:sp>
+            <p:nvSpPr>
+              <p:cNvPr id="6" name="Rectangle 5"/>
+              <p:cNvSpPr/>
+              <p:nvPr/>
+            </p:nvSpPr>
+            <p:spPr>
+              <a:xfrm>
+                <a:off x="1336289" y="3804967"/>
+                <a:ext cx="2918684" cy="780150"/>
+              </a:xfrm>
+              <a:prstGeom prst="rect">
+                <a:avLst/>
+              </a:prstGeom>
+            </p:spPr>
+            <p:txBody>
+              <a:bodyPr wrap="none">
+                <a:spAutoFit/>
+              </a:bodyPr>
+              <a:lstStyle/>
+              <a:p>
+                <a:r>
+                  <a:rPr lang="en-US" dirty="0">
+                    <a:latin typeface="Calibri" panose="020F0502020204030204" pitchFamily="34" charset="0"/>
+                    <a:ea typeface="Calibri" panose="020F0502020204030204" pitchFamily="34" charset="0"/>
+                    <a:cs typeface="Times New Roman" panose="02020603050405020304" pitchFamily="18" charset="0"/>
+                  </a:rPr>
+                  <a:t>S(</a:t>
+                </a:r>
+                <a:r>
+                  <a:rPr lang="en-US" dirty="0" err="1">
+                    <a:latin typeface="Calibri" panose="020F0502020204030204" pitchFamily="34" charset="0"/>
+                    <a:ea typeface="Calibri" panose="020F0502020204030204" pitchFamily="34" charset="0"/>
+                    <a:cs typeface="Times New Roman" panose="02020603050405020304" pitchFamily="18" charset="0"/>
+                  </a:rPr>
+                  <a:t>i</a:t>
+                </a:r>
+                <a:r>
+                  <a:rPr lang="en-US" dirty="0">
+                    <a:latin typeface="Calibri" panose="020F0502020204030204" pitchFamily="34" charset="0"/>
+                    <a:ea typeface="Calibri" panose="020F0502020204030204" pitchFamily="34" charset="0"/>
+                    <a:cs typeface="Times New Roman" panose="02020603050405020304" pitchFamily="18" charset="0"/>
+                  </a:rPr>
+                  <a:t>, j) = max </a:t>
+                </a:r>
+                <a14:m>
+                  <m:oMath xmlns:m="http://schemas.openxmlformats.org/officeDocument/2006/math">
+                    <m:d>
+                      <m:dPr>
+                        <m:begChr m:val="{"/>
+                        <m:endChr m:val="}"/>
+                        <m:ctrlPr>
+                          <a:rPr lang="en-US" i="1">
+                            <a:effectLst/>
+                            <a:latin typeface="Cambria Math" panose="02040503050406030204" pitchFamily="18" charset="0"/>
+                          </a:rPr>
+                        </m:ctrlPr>
+                      </m:dPr>
+                      <m:e>
+                        <m:eqArr>
+                          <m:eqArrPr>
+                            <m:ctrlPr>
+                              <a:rPr lang="en-US" i="1">
+                                <a:effectLst/>
+                                <a:latin typeface="Cambria Math" panose="02040503050406030204" pitchFamily="18" charset="0"/>
+                              </a:rPr>
+                            </m:ctrlPr>
+                          </m:eqArrPr>
+                          <m:e>
+                            <m:r>
+                              <a:rPr lang="en-US" i="1">
+                                <a:latin typeface="Cambria Math" panose="02040503050406030204" pitchFamily="18" charset="0"/>
+                                <a:ea typeface="Calibri" panose="020F0502020204030204" pitchFamily="34" charset="0"/>
+                                <a:cs typeface="Times New Roman" panose="02020603050405020304" pitchFamily="18" charset="0"/>
+                              </a:rPr>
+                              <m:t>𝑆</m:t>
+                            </m:r>
+                            <m:r>
+                              <a:rPr lang="en-US" i="1">
+                                <a:latin typeface="Cambria Math" panose="02040503050406030204" pitchFamily="18" charset="0"/>
+                                <a:ea typeface="Calibri" panose="020F0502020204030204" pitchFamily="34" charset="0"/>
+                                <a:cs typeface="Times New Roman" panose="02020603050405020304" pitchFamily="18" charset="0"/>
+                              </a:rPr>
+                              <m:t>(</m:t>
+                            </m:r>
+                            <m:r>
+                              <a:rPr lang="en-US" i="1">
+                                <a:latin typeface="Cambria Math" panose="02040503050406030204" pitchFamily="18" charset="0"/>
+                                <a:ea typeface="Calibri" panose="020F0502020204030204" pitchFamily="34" charset="0"/>
+                                <a:cs typeface="Times New Roman" panose="02020603050405020304" pitchFamily="18" charset="0"/>
+                              </a:rPr>
+                              <m:t>𝑖</m:t>
+                            </m:r>
+                            <m:r>
+                              <a:rPr lang="en-US" i="1">
+                                <a:latin typeface="Cambria Math" panose="02040503050406030204" pitchFamily="18" charset="0"/>
+                                <a:ea typeface="Calibri" panose="020F0502020204030204" pitchFamily="34" charset="0"/>
+                                <a:cs typeface="Times New Roman" panose="02020603050405020304" pitchFamily="18" charset="0"/>
+                              </a:rPr>
+                              <m:t>−1, </m:t>
+                            </m:r>
+                            <m:r>
+                              <a:rPr lang="en-US" i="1">
+                                <a:latin typeface="Cambria Math" panose="02040503050406030204" pitchFamily="18" charset="0"/>
+                                <a:ea typeface="Calibri" panose="020F0502020204030204" pitchFamily="34" charset="0"/>
+                                <a:cs typeface="Times New Roman" panose="02020603050405020304" pitchFamily="18" charset="0"/>
+                              </a:rPr>
+                              <m:t>𝑗</m:t>
+                            </m:r>
+                            <m:r>
+                              <a:rPr lang="en-US" i="1">
+                                <a:latin typeface="Cambria Math" panose="02040503050406030204" pitchFamily="18" charset="0"/>
+                                <a:ea typeface="Calibri" panose="020F0502020204030204" pitchFamily="34" charset="0"/>
+                                <a:cs typeface="Times New Roman" panose="02020603050405020304" pitchFamily="18" charset="0"/>
+                              </a:rPr>
+                              <m:t>−1+</m:t>
+                            </m:r>
+                            <m:r>
+                              <a:rPr lang="en-US" i="1">
+                                <a:latin typeface="Cambria Math" panose="02040503050406030204" pitchFamily="18" charset="0"/>
+                                <a:ea typeface="Calibri" panose="020F0502020204030204" pitchFamily="34" charset="0"/>
+                                <a:cs typeface="Times New Roman" panose="02020603050405020304" pitchFamily="18" charset="0"/>
+                              </a:rPr>
+                              <m:t>𝑐</m:t>
+                            </m:r>
+                            <m:r>
+                              <a:rPr lang="en-US" i="1">
+                                <a:latin typeface="Cambria Math" panose="02040503050406030204" pitchFamily="18" charset="0"/>
+                                <a:ea typeface="Calibri" panose="020F0502020204030204" pitchFamily="34" charset="0"/>
+                                <a:cs typeface="Times New Roman" panose="02020603050405020304" pitchFamily="18" charset="0"/>
+                              </a:rPr>
+                              <m:t>(</m:t>
+                            </m:r>
+                            <m:r>
+                              <a:rPr lang="en-US" i="1">
+                                <a:latin typeface="Cambria Math" panose="02040503050406030204" pitchFamily="18" charset="0"/>
+                                <a:ea typeface="Calibri" panose="020F0502020204030204" pitchFamily="34" charset="0"/>
+                                <a:cs typeface="Times New Roman" panose="02020603050405020304" pitchFamily="18" charset="0"/>
+                              </a:rPr>
+                              <m:t>𝑖</m:t>
+                            </m:r>
+                            <m:r>
+                              <a:rPr lang="en-US" i="1">
+                                <a:latin typeface="Cambria Math" panose="02040503050406030204" pitchFamily="18" charset="0"/>
+                                <a:ea typeface="Calibri" panose="020F0502020204030204" pitchFamily="34" charset="0"/>
+                                <a:cs typeface="Times New Roman" panose="02020603050405020304" pitchFamily="18" charset="0"/>
+                              </a:rPr>
+                              <m:t>, </m:t>
+                            </m:r>
+                            <m:r>
+                              <a:rPr lang="en-US" i="1">
+                                <a:latin typeface="Cambria Math" panose="02040503050406030204" pitchFamily="18" charset="0"/>
+                                <a:ea typeface="Calibri" panose="020F0502020204030204" pitchFamily="34" charset="0"/>
+                                <a:cs typeface="Times New Roman" panose="02020603050405020304" pitchFamily="18" charset="0"/>
+                              </a:rPr>
+                              <m:t>𝑗</m:t>
+                            </m:r>
+                            <m:r>
+                              <a:rPr lang="en-US" i="1">
+                                <a:latin typeface="Cambria Math" panose="02040503050406030204" pitchFamily="18" charset="0"/>
+                                <a:ea typeface="Calibri" panose="020F0502020204030204" pitchFamily="34" charset="0"/>
+                                <a:cs typeface="Times New Roman" panose="02020603050405020304" pitchFamily="18" charset="0"/>
+                              </a:rPr>
+                              <m:t>)</m:t>
+                            </m:r>
+                          </m:e>
+                          <m:e>
+                            <m:r>
+                              <a:rPr lang="en-US" i="1">
+                                <a:latin typeface="Cambria Math" panose="02040503050406030204" pitchFamily="18" charset="0"/>
+                                <a:ea typeface="Calibri" panose="020F0502020204030204" pitchFamily="34" charset="0"/>
+                                <a:cs typeface="Times New Roman" panose="02020603050405020304" pitchFamily="18" charset="0"/>
+                              </a:rPr>
+                              <m:t>𝑆</m:t>
+                            </m:r>
+                            <m:d>
+                              <m:dPr>
+                                <m:ctrlPr>
+                                  <a:rPr lang="en-US" i="1">
+                                    <a:effectLst/>
+                                    <a:latin typeface="Cambria Math" panose="02040503050406030204" pitchFamily="18" charset="0"/>
+                                  </a:rPr>
+                                </m:ctrlPr>
+                              </m:dPr>
+                              <m:e>
+                                <m:r>
+                                  <a:rPr lang="en-US" i="1">
+                                    <a:latin typeface="Cambria Math" panose="02040503050406030204" pitchFamily="18" charset="0"/>
+                                    <a:ea typeface="Calibri" panose="020F0502020204030204" pitchFamily="34" charset="0"/>
+                                    <a:cs typeface="Times New Roman" panose="02020603050405020304" pitchFamily="18" charset="0"/>
+                                  </a:rPr>
+                                  <m:t>𝑖</m:t>
+                                </m:r>
+                                <m:r>
+                                  <a:rPr lang="en-US" i="1">
+                                    <a:latin typeface="Cambria Math" panose="02040503050406030204" pitchFamily="18" charset="0"/>
+                                    <a:ea typeface="Calibri" panose="020F0502020204030204" pitchFamily="34" charset="0"/>
+                                    <a:cs typeface="Times New Roman" panose="02020603050405020304" pitchFamily="18" charset="0"/>
+                                  </a:rPr>
+                                  <m:t>−1, </m:t>
+                                </m:r>
+                                <m:r>
+                                  <a:rPr lang="en-US" i="1">
+                                    <a:latin typeface="Cambria Math" panose="02040503050406030204" pitchFamily="18" charset="0"/>
+                                    <a:ea typeface="Calibri" panose="020F0502020204030204" pitchFamily="34" charset="0"/>
+                                    <a:cs typeface="Times New Roman" panose="02020603050405020304" pitchFamily="18" charset="0"/>
+                                  </a:rPr>
+                                  <m:t>𝑗</m:t>
+                                </m:r>
+                              </m:e>
+                            </m:d>
+                            <m:r>
+                              <a:rPr lang="en-US" i="1">
+                                <a:latin typeface="Cambria Math" panose="02040503050406030204" pitchFamily="18" charset="0"/>
+                                <a:ea typeface="Calibri" panose="020F0502020204030204" pitchFamily="34" charset="0"/>
+                                <a:cs typeface="Times New Roman" panose="02020603050405020304" pitchFamily="18" charset="0"/>
+                              </a:rPr>
+                              <m:t>+</m:t>
+                            </m:r>
+                            <m:r>
+                              <a:rPr lang="en-US" i="1">
+                                <a:latin typeface="Cambria Math" panose="02040503050406030204" pitchFamily="18" charset="0"/>
+                                <a:ea typeface="Calibri" panose="020F0502020204030204" pitchFamily="34" charset="0"/>
+                                <a:cs typeface="Times New Roman" panose="02020603050405020304" pitchFamily="18" charset="0"/>
+                              </a:rPr>
+                              <m:t>𝑐</m:t>
+                            </m:r>
+                            <m:d>
+                              <m:dPr>
+                                <m:ctrlPr>
+                                  <a:rPr lang="en-US" i="1">
+                                    <a:effectLst/>
+                                    <a:latin typeface="Cambria Math" panose="02040503050406030204" pitchFamily="18" charset="0"/>
+                                  </a:rPr>
+                                </m:ctrlPr>
+                              </m:dPr>
+                              <m:e>
+                                <m:r>
+                                  <a:rPr lang="en-US" i="1">
+                                    <a:latin typeface="Cambria Math" panose="02040503050406030204" pitchFamily="18" charset="0"/>
+                                    <a:ea typeface="Calibri" panose="020F0502020204030204" pitchFamily="34" charset="0"/>
+                                    <a:cs typeface="Times New Roman" panose="02020603050405020304" pitchFamily="18" charset="0"/>
+                                  </a:rPr>
+                                  <m:t>𝑖</m:t>
+                                </m:r>
+                                <m:r>
+                                  <a:rPr lang="en-US" i="1">
+                                    <a:latin typeface="Cambria Math" panose="02040503050406030204" pitchFamily="18" charset="0"/>
+                                    <a:ea typeface="Calibri" panose="020F0502020204030204" pitchFamily="34" charset="0"/>
+                                    <a:cs typeface="Times New Roman" panose="02020603050405020304" pitchFamily="18" charset="0"/>
+                                  </a:rPr>
+                                  <m:t>,−</m:t>
+                                </m:r>
+                              </m:e>
+                            </m:d>
+                          </m:e>
+                          <m:e>
+                            <m:r>
+                              <a:rPr lang="en-US" i="1">
+                                <a:latin typeface="Cambria Math" panose="02040503050406030204" pitchFamily="18" charset="0"/>
+                                <a:ea typeface="Cambria Math" panose="02040503050406030204" pitchFamily="18" charset="0"/>
+                                <a:cs typeface="Cambria Math" panose="02040503050406030204" pitchFamily="18" charset="0"/>
+                              </a:rPr>
+                              <m:t>𝑆</m:t>
+                            </m:r>
+                            <m:d>
+                              <m:dPr>
+                                <m:ctrlPr>
+                                  <a:rPr lang="en-US" i="1">
+                                    <a:effectLst/>
+                                    <a:latin typeface="Cambria Math" panose="02040503050406030204" pitchFamily="18" charset="0"/>
+                                    <a:ea typeface="Cambria Math" panose="02040503050406030204" pitchFamily="18" charset="0"/>
+                                    <a:cs typeface="Cambria Math" panose="02040503050406030204" pitchFamily="18" charset="0"/>
+                                  </a:rPr>
+                                </m:ctrlPr>
+                              </m:dPr>
+                              <m:e>
+                                <m:r>
+                                  <a:rPr lang="en-US" i="1">
+                                    <a:latin typeface="Cambria Math" panose="02040503050406030204" pitchFamily="18" charset="0"/>
+                                    <a:ea typeface="Cambria Math" panose="02040503050406030204" pitchFamily="18" charset="0"/>
+                                    <a:cs typeface="Cambria Math" panose="02040503050406030204" pitchFamily="18" charset="0"/>
+                                  </a:rPr>
+                                  <m:t>𝑖</m:t>
+                                </m:r>
+                                <m:r>
+                                  <a:rPr lang="en-US" i="1">
+                                    <a:latin typeface="Cambria Math" panose="02040503050406030204" pitchFamily="18" charset="0"/>
+                                    <a:ea typeface="Cambria Math" panose="02040503050406030204" pitchFamily="18" charset="0"/>
+                                    <a:cs typeface="Cambria Math" panose="02040503050406030204" pitchFamily="18" charset="0"/>
+                                  </a:rPr>
+                                  <m:t>,</m:t>
+                                </m:r>
+                                <m:r>
+                                  <a:rPr lang="en-US" i="1">
+                                    <a:latin typeface="Cambria Math" panose="02040503050406030204" pitchFamily="18" charset="0"/>
+                                    <a:ea typeface="Cambria Math" panose="02040503050406030204" pitchFamily="18" charset="0"/>
+                                    <a:cs typeface="Cambria Math" panose="02040503050406030204" pitchFamily="18" charset="0"/>
+                                  </a:rPr>
+                                  <m:t>𝑗</m:t>
+                                </m:r>
+                                <m:r>
+                                  <a:rPr lang="en-US" i="1">
+                                    <a:latin typeface="Cambria Math" panose="02040503050406030204" pitchFamily="18" charset="0"/>
+                                    <a:ea typeface="Cambria Math" panose="02040503050406030204" pitchFamily="18" charset="0"/>
+                                    <a:cs typeface="Cambria Math" panose="02040503050406030204" pitchFamily="18" charset="0"/>
+                                  </a:rPr>
+                                  <m:t>−1</m:t>
+                                </m:r>
+                              </m:e>
+                            </m:d>
+                            <m:r>
+                              <a:rPr lang="en-US" i="1">
+                                <a:latin typeface="Cambria Math" panose="02040503050406030204" pitchFamily="18" charset="0"/>
+                                <a:ea typeface="Cambria Math" panose="02040503050406030204" pitchFamily="18" charset="0"/>
+                                <a:cs typeface="Cambria Math" panose="02040503050406030204" pitchFamily="18" charset="0"/>
+                              </a:rPr>
+                              <m:t>+</m:t>
+                            </m:r>
+                            <m:r>
+                              <a:rPr lang="en-US" i="1">
+                                <a:latin typeface="Cambria Math" panose="02040503050406030204" pitchFamily="18" charset="0"/>
+                                <a:ea typeface="Cambria Math" panose="02040503050406030204" pitchFamily="18" charset="0"/>
+                                <a:cs typeface="Cambria Math" panose="02040503050406030204" pitchFamily="18" charset="0"/>
+                              </a:rPr>
+                              <m:t>𝑐</m:t>
+                            </m:r>
+                            <m:r>
+                              <a:rPr lang="en-US" i="1">
+                                <a:latin typeface="Cambria Math" panose="02040503050406030204" pitchFamily="18" charset="0"/>
+                                <a:ea typeface="Cambria Math" panose="02040503050406030204" pitchFamily="18" charset="0"/>
+                                <a:cs typeface="Cambria Math" panose="02040503050406030204" pitchFamily="18" charset="0"/>
+                              </a:rPr>
+                              <m:t>(−, </m:t>
+                            </m:r>
+                            <m:r>
+                              <a:rPr lang="en-US" i="1">
+                                <a:latin typeface="Cambria Math" panose="02040503050406030204" pitchFamily="18" charset="0"/>
+                                <a:ea typeface="Cambria Math" panose="02040503050406030204" pitchFamily="18" charset="0"/>
+                                <a:cs typeface="Cambria Math" panose="02040503050406030204" pitchFamily="18" charset="0"/>
+                              </a:rPr>
+                              <m:t>𝑗</m:t>
+                            </m:r>
+                            <m:r>
+                              <a:rPr lang="en-US" i="1">
+                                <a:latin typeface="Cambria Math" panose="02040503050406030204" pitchFamily="18" charset="0"/>
+                                <a:ea typeface="Cambria Math" panose="02040503050406030204" pitchFamily="18" charset="0"/>
+                                <a:cs typeface="Cambria Math" panose="02040503050406030204" pitchFamily="18" charset="0"/>
+                              </a:rPr>
+                              <m:t>)</m:t>
+                            </m:r>
+                          </m:e>
+                        </m:eqArr>
+                      </m:e>
+                    </m:d>
+                  </m:oMath>
+                </a14:m>
+                <a:endParaRPr lang="en-US" dirty="0"/>
+              </a:p>
+            </p:txBody>
+          </p:sp>
+        </mc:Choice>
+        <mc:Fallback>
+          <p:sp>
+            <p:nvSpPr>
+              <p:cNvPr id="6" name="Rectangle 5"/>
+              <p:cNvSpPr>
+                <a:spLocks noRot="1" noChangeAspect="1" noMove="1" noResize="1" noEditPoints="1" noAdjustHandles="1" noChangeArrowheads="1" noChangeShapeType="1" noTextEdit="1"/>
+              </p:cNvSpPr>
+              <p:nvPr/>
+            </p:nvSpPr>
+            <p:spPr>
+              <a:xfrm>
+                <a:off x="1336289" y="3804967"/>
+                <a:ext cx="2918684" cy="780150"/>
+              </a:xfrm>
+              <a:prstGeom prst="rect">
+                <a:avLst/>
+              </a:prstGeom>
+              <a:blipFill>
+                <a:blip r:embed="rId5"/>
+                <a:stretch>
+                  <a:fillRect l="-626"/>
+                </a:stretch>
+              </a:blipFill>
+            </p:spPr>
+            <p:txBody>
+              <a:bodyPr/>
+              <a:lstStyle/>
+              <a:p>
+                <a:r>
+                  <a:rPr lang="en-US">
+                    <a:noFill/>
+                  </a:rPr>
+                  <a:t> </a:t>
+                </a:r>
+              </a:p>
+            </p:txBody>
+          </p:sp>
+        </mc:Fallback>
+      </mc:AlternateContent>
+      <p:sp>
+        <p:nvSpPr>
+          <p:cNvPr id="7" name="TextBox 6"/>
+          <p:cNvSpPr txBox="1"/>
+          <p:nvPr/>
+        </p:nvSpPr>
+        <p:spPr>
+          <a:xfrm>
+            <a:off x="1418491" y="2813280"/>
+            <a:ext cx="2192216" cy="969496"/>
+          </a:xfrm>
+          <a:prstGeom prst="rect">
+            <a:avLst/>
+          </a:prstGeom>
+          <a:noFill/>
+        </p:spPr>
+        <p:txBody>
+          <a:bodyPr wrap="square" rtlCol="0">
+            <a:spAutoFit/>
+          </a:bodyPr>
+          <a:lstStyle/>
+          <a:p>
+            <a:pPr algn="ctr"/>
+            <a:r>
+              <a:rPr lang="en-US" sz="1900" b="1" dirty="0">
+                <a:latin typeface="+mn-lt"/>
+              </a:rPr>
+              <a:t>Dynamic Programming </a:t>
+            </a:r>
+          </a:p>
+          <a:p>
+            <a:pPr algn="ctr"/>
+            <a:r>
+              <a:rPr lang="en-US" sz="1900" b="1" dirty="0">
+                <a:latin typeface="+mn-lt"/>
+              </a:rPr>
+              <a:t>Recursion</a:t>
             </a:r>
           </a:p>
         </p:txBody>

--- a/NW-Parallel Presentation.pptx
+++ b/NW-Parallel Presentation.pptx
@@ -256,6 +256,1128 @@
     </p:ext>
   </p:extLst>
 </p:presentation>
+</file>
+
+<file path=ppt/charts/chart1.xml><?xml version="1.0" encoding="utf-8"?>
+<c:chartSpace xmlns:c="http://schemas.openxmlformats.org/drawingml/2006/chart" xmlns:a="http://schemas.openxmlformats.org/drawingml/2006/main" xmlns:r="http://schemas.openxmlformats.org/officeDocument/2006/relationships" xmlns:c16r2="http://schemas.microsoft.com/office/drawing/2015/06/chart">
+  <c:date1904 val="0"/>
+  <c:lang val="en-US"/>
+  <c:roundedCorners val="0"/>
+  <mc:AlternateContent xmlns:mc="http://schemas.openxmlformats.org/markup-compatibility/2006">
+    <mc:Choice xmlns:c14="http://schemas.microsoft.com/office/drawing/2007/8/2/chart" Requires="c14">
+      <c14:style val="102"/>
+    </mc:Choice>
+    <mc:Fallback>
+      <c:style val="2"/>
+    </mc:Fallback>
+  </mc:AlternateContent>
+  <c:chart>
+    <c:autoTitleDeleted val="1"/>
+    <c:plotArea>
+      <c:layout/>
+      <c:lineChart>
+        <c:grouping val="standard"/>
+        <c:varyColors val="0"/>
+        <c:ser>
+          <c:idx val="0"/>
+          <c:order val="0"/>
+          <c:tx>
+            <c:strRef>
+              <c:f>Sheet1!$B$1</c:f>
+              <c:strCache>
+                <c:ptCount val="1"/>
+                <c:pt idx="0">
+                  <c:v>Sequential</c:v>
+                </c:pt>
+              </c:strCache>
+            </c:strRef>
+          </c:tx>
+          <c:spPr>
+            <a:ln w="28575" cap="rnd">
+              <a:solidFill>
+                <a:schemeClr val="accent1"/>
+              </a:solidFill>
+              <a:round/>
+            </a:ln>
+            <a:effectLst/>
+          </c:spPr>
+          <c:marker>
+            <c:symbol val="circle"/>
+            <c:size val="5"/>
+            <c:spPr>
+              <a:solidFill>
+                <a:schemeClr val="accent1"/>
+              </a:solidFill>
+              <a:ln w="9525">
+                <a:solidFill>
+                  <a:schemeClr val="accent1"/>
+                </a:solidFill>
+              </a:ln>
+              <a:effectLst/>
+            </c:spPr>
+          </c:marker>
+          <c:cat>
+            <c:strRef>
+              <c:f>Sheet1!$A$2:$A$5</c:f>
+              <c:strCache>
+                <c:ptCount val="4"/>
+                <c:pt idx="0">
+                  <c:v>Category 1</c:v>
+                </c:pt>
+                <c:pt idx="1">
+                  <c:v>Category 2</c:v>
+                </c:pt>
+                <c:pt idx="2">
+                  <c:v>Category 3</c:v>
+                </c:pt>
+                <c:pt idx="3">
+                  <c:v>Category 4</c:v>
+                </c:pt>
+              </c:strCache>
+            </c:strRef>
+          </c:cat>
+          <c:val>
+            <c:numRef>
+              <c:f>Sheet1!$B$2:$B$5</c:f>
+              <c:numCache>
+                <c:formatCode>General</c:formatCode>
+                <c:ptCount val="4"/>
+                <c:pt idx="0">
+                  <c:v>4.3</c:v>
+                </c:pt>
+                <c:pt idx="1">
+                  <c:v>2.5</c:v>
+                </c:pt>
+                <c:pt idx="2">
+                  <c:v>3.5</c:v>
+                </c:pt>
+                <c:pt idx="3">
+                  <c:v>4.5</c:v>
+                </c:pt>
+              </c:numCache>
+            </c:numRef>
+          </c:val>
+          <c:smooth val="0"/>
+          <c:extLst>
+            <c:ext xmlns:c16="http://schemas.microsoft.com/office/drawing/2014/chart" uri="{C3380CC4-5D6E-409C-BE32-E72D297353CC}">
+              <c16:uniqueId val="{00000000-52B0-4AAA-AFEF-779321511EB1}"/>
+            </c:ext>
+          </c:extLst>
+        </c:ser>
+        <c:ser>
+          <c:idx val="1"/>
+          <c:order val="1"/>
+          <c:tx>
+            <c:strRef>
+              <c:f>Sheet1!$C$1</c:f>
+              <c:strCache>
+                <c:ptCount val="1"/>
+                <c:pt idx="0">
+                  <c:v>Xparallel</c:v>
+                </c:pt>
+              </c:strCache>
+            </c:strRef>
+          </c:tx>
+          <c:spPr>
+            <a:ln w="28575" cap="rnd">
+              <a:solidFill>
+                <a:schemeClr val="accent2"/>
+              </a:solidFill>
+              <a:round/>
+            </a:ln>
+            <a:effectLst/>
+          </c:spPr>
+          <c:marker>
+            <c:symbol val="circle"/>
+            <c:size val="5"/>
+            <c:spPr>
+              <a:solidFill>
+                <a:schemeClr val="accent2"/>
+              </a:solidFill>
+              <a:ln w="9525">
+                <a:solidFill>
+                  <a:schemeClr val="accent2"/>
+                </a:solidFill>
+              </a:ln>
+              <a:effectLst/>
+            </c:spPr>
+          </c:marker>
+          <c:cat>
+            <c:strRef>
+              <c:f>Sheet1!$A$2:$A$5</c:f>
+              <c:strCache>
+                <c:ptCount val="4"/>
+                <c:pt idx="0">
+                  <c:v>Category 1</c:v>
+                </c:pt>
+                <c:pt idx="1">
+                  <c:v>Category 2</c:v>
+                </c:pt>
+                <c:pt idx="2">
+                  <c:v>Category 3</c:v>
+                </c:pt>
+                <c:pt idx="3">
+                  <c:v>Category 4</c:v>
+                </c:pt>
+              </c:strCache>
+            </c:strRef>
+          </c:cat>
+          <c:val>
+            <c:numRef>
+              <c:f>Sheet1!$C$2:$C$5</c:f>
+              <c:numCache>
+                <c:formatCode>General</c:formatCode>
+                <c:ptCount val="4"/>
+                <c:pt idx="0">
+                  <c:v>2.4</c:v>
+                </c:pt>
+                <c:pt idx="1">
+                  <c:v>4.4000000000000004</c:v>
+                </c:pt>
+                <c:pt idx="2">
+                  <c:v>1.8</c:v>
+                </c:pt>
+                <c:pt idx="3">
+                  <c:v>2.8</c:v>
+                </c:pt>
+              </c:numCache>
+            </c:numRef>
+          </c:val>
+          <c:smooth val="0"/>
+          <c:extLst>
+            <c:ext xmlns:c16="http://schemas.microsoft.com/office/drawing/2014/chart" uri="{C3380CC4-5D6E-409C-BE32-E72D297353CC}">
+              <c16:uniqueId val="{00000001-52B0-4AAA-AFEF-779321511EB1}"/>
+            </c:ext>
+          </c:extLst>
+        </c:ser>
+        <c:ser>
+          <c:idx val="2"/>
+          <c:order val="2"/>
+          <c:tx>
+            <c:strRef>
+              <c:f>Sheet1!$D$1</c:f>
+              <c:strCache>
+                <c:ptCount val="1"/>
+                <c:pt idx="0">
+                  <c:v>Something</c:v>
+                </c:pt>
+              </c:strCache>
+            </c:strRef>
+          </c:tx>
+          <c:spPr>
+            <a:ln w="28575" cap="rnd">
+              <a:solidFill>
+                <a:schemeClr val="accent3"/>
+              </a:solidFill>
+              <a:round/>
+            </a:ln>
+            <a:effectLst/>
+          </c:spPr>
+          <c:marker>
+            <c:symbol val="circle"/>
+            <c:size val="5"/>
+            <c:spPr>
+              <a:solidFill>
+                <a:schemeClr val="accent3"/>
+              </a:solidFill>
+              <a:ln w="9525">
+                <a:solidFill>
+                  <a:schemeClr val="accent3"/>
+                </a:solidFill>
+              </a:ln>
+              <a:effectLst/>
+            </c:spPr>
+          </c:marker>
+          <c:cat>
+            <c:strRef>
+              <c:f>Sheet1!$A$2:$A$5</c:f>
+              <c:strCache>
+                <c:ptCount val="4"/>
+                <c:pt idx="0">
+                  <c:v>Category 1</c:v>
+                </c:pt>
+                <c:pt idx="1">
+                  <c:v>Category 2</c:v>
+                </c:pt>
+                <c:pt idx="2">
+                  <c:v>Category 3</c:v>
+                </c:pt>
+                <c:pt idx="3">
+                  <c:v>Category 4</c:v>
+                </c:pt>
+              </c:strCache>
+            </c:strRef>
+          </c:cat>
+          <c:val>
+            <c:numRef>
+              <c:f>Sheet1!$D$2:$D$5</c:f>
+              <c:numCache>
+                <c:formatCode>General</c:formatCode>
+                <c:ptCount val="4"/>
+                <c:pt idx="0">
+                  <c:v>2</c:v>
+                </c:pt>
+                <c:pt idx="1">
+                  <c:v>2</c:v>
+                </c:pt>
+                <c:pt idx="2">
+                  <c:v>3</c:v>
+                </c:pt>
+                <c:pt idx="3">
+                  <c:v>5</c:v>
+                </c:pt>
+              </c:numCache>
+            </c:numRef>
+          </c:val>
+          <c:smooth val="0"/>
+          <c:extLst>
+            <c:ext xmlns:c16="http://schemas.microsoft.com/office/drawing/2014/chart" uri="{C3380CC4-5D6E-409C-BE32-E72D297353CC}">
+              <c16:uniqueId val="{00000002-52B0-4AAA-AFEF-779321511EB1}"/>
+            </c:ext>
+          </c:extLst>
+        </c:ser>
+        <c:dLbls>
+          <c:showLegendKey val="0"/>
+          <c:showVal val="0"/>
+          <c:showCatName val="0"/>
+          <c:showSerName val="0"/>
+          <c:showPercent val="0"/>
+          <c:showBubbleSize val="0"/>
+        </c:dLbls>
+        <c:marker val="1"/>
+        <c:smooth val="0"/>
+        <c:axId val="481459560"/>
+        <c:axId val="481460872"/>
+      </c:lineChart>
+      <c:catAx>
+        <c:axId val="481459560"/>
+        <c:scaling>
+          <c:orientation val="minMax"/>
+        </c:scaling>
+        <c:delete val="0"/>
+        <c:axPos val="b"/>
+        <c:title>
+          <c:tx>
+            <c:rich>
+              <a:bodyPr rot="0" spcFirstLastPara="1" vertOverflow="ellipsis" vert="horz" wrap="square" anchor="ctr" anchorCtr="1"/>
+              <a:lstStyle/>
+              <a:p>
+                <a:pPr>
+                  <a:defRPr sz="1330" b="0" i="0" u="none" strike="noStrike" kern="1200" baseline="0">
+                    <a:solidFill>
+                      <a:schemeClr val="tx1">
+                        <a:lumMod val="65000"/>
+                        <a:lumOff val="35000"/>
+                      </a:schemeClr>
+                    </a:solidFill>
+                    <a:latin typeface="+mn-lt"/>
+                    <a:ea typeface="+mn-ea"/>
+                    <a:cs typeface="+mn-cs"/>
+                  </a:defRPr>
+                </a:pPr>
+                <a:r>
+                  <a:rPr lang="en-US" dirty="0"/>
+                  <a:t>Number</a:t>
+                </a:r>
+                <a:r>
+                  <a:rPr lang="en-US" baseline="0" dirty="0"/>
+                  <a:t> of Thread or Length of String</a:t>
+                </a:r>
+                <a:endParaRPr lang="en-US" dirty="0"/>
+              </a:p>
+            </c:rich>
+          </c:tx>
+          <c:overlay val="0"/>
+          <c:spPr>
+            <a:noFill/>
+            <a:ln>
+              <a:noFill/>
+            </a:ln>
+            <a:effectLst/>
+          </c:spPr>
+          <c:txPr>
+            <a:bodyPr rot="0" spcFirstLastPara="1" vertOverflow="ellipsis" vert="horz" wrap="square" anchor="ctr" anchorCtr="1"/>
+            <a:lstStyle/>
+            <a:p>
+              <a:pPr>
+                <a:defRPr sz="1330" b="0" i="0" u="none" strike="noStrike" kern="1200" baseline="0">
+                  <a:solidFill>
+                    <a:schemeClr val="tx1">
+                      <a:lumMod val="65000"/>
+                      <a:lumOff val="35000"/>
+                    </a:schemeClr>
+                  </a:solidFill>
+                  <a:latin typeface="+mn-lt"/>
+                  <a:ea typeface="+mn-ea"/>
+                  <a:cs typeface="+mn-cs"/>
+                </a:defRPr>
+              </a:pPr>
+              <a:endParaRPr lang="en-US"/>
+            </a:p>
+          </c:txPr>
+        </c:title>
+        <c:numFmt formatCode="General" sourceLinked="1"/>
+        <c:majorTickMark val="none"/>
+        <c:minorTickMark val="none"/>
+        <c:tickLblPos val="nextTo"/>
+        <c:spPr>
+          <a:noFill/>
+          <a:ln w="9525" cap="flat" cmpd="sng" algn="ctr">
+            <a:solidFill>
+              <a:schemeClr val="tx1">
+                <a:lumMod val="15000"/>
+                <a:lumOff val="85000"/>
+              </a:schemeClr>
+            </a:solidFill>
+            <a:round/>
+          </a:ln>
+          <a:effectLst/>
+        </c:spPr>
+        <c:txPr>
+          <a:bodyPr rot="-60000000" spcFirstLastPara="1" vertOverflow="ellipsis" vert="horz" wrap="square" anchor="ctr" anchorCtr="1"/>
+          <a:lstStyle/>
+          <a:p>
+            <a:pPr>
+              <a:defRPr sz="1197" b="0" i="0" u="none" strike="noStrike" kern="1200" baseline="0">
+                <a:solidFill>
+                  <a:schemeClr val="tx1">
+                    <a:lumMod val="65000"/>
+                    <a:lumOff val="35000"/>
+                  </a:schemeClr>
+                </a:solidFill>
+                <a:latin typeface="+mn-lt"/>
+                <a:ea typeface="+mn-ea"/>
+                <a:cs typeface="+mn-cs"/>
+              </a:defRPr>
+            </a:pPr>
+            <a:endParaRPr lang="en-US"/>
+          </a:p>
+        </c:txPr>
+        <c:crossAx val="481460872"/>
+        <c:crosses val="autoZero"/>
+        <c:auto val="1"/>
+        <c:lblAlgn val="ctr"/>
+        <c:lblOffset val="100"/>
+        <c:noMultiLvlLbl val="0"/>
+      </c:catAx>
+      <c:valAx>
+        <c:axId val="481460872"/>
+        <c:scaling>
+          <c:orientation val="minMax"/>
+        </c:scaling>
+        <c:delete val="0"/>
+        <c:axPos val="l"/>
+        <c:majorGridlines>
+          <c:spPr>
+            <a:ln w="9525" cap="flat" cmpd="sng" algn="ctr">
+              <a:solidFill>
+                <a:schemeClr val="tx1">
+                  <a:lumMod val="15000"/>
+                  <a:lumOff val="85000"/>
+                </a:schemeClr>
+              </a:solidFill>
+              <a:round/>
+            </a:ln>
+            <a:effectLst/>
+          </c:spPr>
+        </c:majorGridlines>
+        <c:title>
+          <c:tx>
+            <c:rich>
+              <a:bodyPr rot="-5400000" spcFirstLastPara="1" vertOverflow="ellipsis" vert="horz" wrap="square" anchor="ctr" anchorCtr="1"/>
+              <a:lstStyle/>
+              <a:p>
+                <a:pPr>
+                  <a:defRPr sz="1330" b="0" i="0" u="none" strike="noStrike" kern="1200" baseline="0">
+                    <a:solidFill>
+                      <a:schemeClr val="tx1">
+                        <a:lumMod val="65000"/>
+                        <a:lumOff val="35000"/>
+                      </a:schemeClr>
+                    </a:solidFill>
+                    <a:latin typeface="+mn-lt"/>
+                    <a:ea typeface="+mn-ea"/>
+                    <a:cs typeface="+mn-cs"/>
+                  </a:defRPr>
+                </a:pPr>
+                <a:r>
+                  <a:rPr lang="en-US" dirty="0"/>
+                  <a:t>Execution Time</a:t>
+                </a:r>
+              </a:p>
+            </c:rich>
+          </c:tx>
+          <c:overlay val="0"/>
+          <c:spPr>
+            <a:noFill/>
+            <a:ln>
+              <a:noFill/>
+            </a:ln>
+            <a:effectLst/>
+          </c:spPr>
+          <c:txPr>
+            <a:bodyPr rot="-5400000" spcFirstLastPara="1" vertOverflow="ellipsis" vert="horz" wrap="square" anchor="ctr" anchorCtr="1"/>
+            <a:lstStyle/>
+            <a:p>
+              <a:pPr>
+                <a:defRPr sz="1330" b="0" i="0" u="none" strike="noStrike" kern="1200" baseline="0">
+                  <a:solidFill>
+                    <a:schemeClr val="tx1">
+                      <a:lumMod val="65000"/>
+                      <a:lumOff val="35000"/>
+                    </a:schemeClr>
+                  </a:solidFill>
+                  <a:latin typeface="+mn-lt"/>
+                  <a:ea typeface="+mn-ea"/>
+                  <a:cs typeface="+mn-cs"/>
+                </a:defRPr>
+              </a:pPr>
+              <a:endParaRPr lang="en-US"/>
+            </a:p>
+          </c:txPr>
+        </c:title>
+        <c:numFmt formatCode="General" sourceLinked="1"/>
+        <c:majorTickMark val="none"/>
+        <c:minorTickMark val="none"/>
+        <c:tickLblPos val="nextTo"/>
+        <c:spPr>
+          <a:noFill/>
+          <a:ln>
+            <a:noFill/>
+          </a:ln>
+          <a:effectLst/>
+        </c:spPr>
+        <c:txPr>
+          <a:bodyPr rot="-60000000" spcFirstLastPara="1" vertOverflow="ellipsis" vert="horz" wrap="square" anchor="ctr" anchorCtr="1"/>
+          <a:lstStyle/>
+          <a:p>
+            <a:pPr>
+              <a:defRPr sz="1197" b="0" i="0" u="none" strike="noStrike" kern="1200" baseline="0">
+                <a:solidFill>
+                  <a:schemeClr val="tx1">
+                    <a:lumMod val="65000"/>
+                    <a:lumOff val="35000"/>
+                  </a:schemeClr>
+                </a:solidFill>
+                <a:latin typeface="+mn-lt"/>
+                <a:ea typeface="+mn-ea"/>
+                <a:cs typeface="+mn-cs"/>
+              </a:defRPr>
+            </a:pPr>
+            <a:endParaRPr lang="en-US"/>
+          </a:p>
+        </c:txPr>
+        <c:crossAx val="481459560"/>
+        <c:crosses val="autoZero"/>
+        <c:crossBetween val="between"/>
+      </c:valAx>
+      <c:spPr>
+        <a:noFill/>
+        <a:ln>
+          <a:noFill/>
+        </a:ln>
+        <a:effectLst/>
+      </c:spPr>
+    </c:plotArea>
+    <c:legend>
+      <c:legendPos val="b"/>
+      <c:overlay val="0"/>
+      <c:spPr>
+        <a:noFill/>
+        <a:ln>
+          <a:noFill/>
+        </a:ln>
+        <a:effectLst/>
+      </c:spPr>
+      <c:txPr>
+        <a:bodyPr rot="0" spcFirstLastPara="1" vertOverflow="ellipsis" vert="horz" wrap="square" anchor="ctr" anchorCtr="1"/>
+        <a:lstStyle/>
+        <a:p>
+          <a:pPr>
+            <a:defRPr sz="1197" b="0" i="0" u="none" strike="noStrike" kern="1200" baseline="0">
+              <a:solidFill>
+                <a:schemeClr val="tx1">
+                  <a:lumMod val="65000"/>
+                  <a:lumOff val="35000"/>
+                </a:schemeClr>
+              </a:solidFill>
+              <a:latin typeface="+mn-lt"/>
+              <a:ea typeface="+mn-ea"/>
+              <a:cs typeface="+mn-cs"/>
+            </a:defRPr>
+          </a:pPr>
+          <a:endParaRPr lang="en-US"/>
+        </a:p>
+      </c:txPr>
+    </c:legend>
+    <c:plotVisOnly val="1"/>
+    <c:dispBlanksAs val="gap"/>
+    <c:showDLblsOverMax val="0"/>
+  </c:chart>
+  <c:spPr>
+    <a:noFill/>
+    <a:ln>
+      <a:noFill/>
+    </a:ln>
+    <a:effectLst/>
+  </c:spPr>
+  <c:txPr>
+    <a:bodyPr/>
+    <a:lstStyle/>
+    <a:p>
+      <a:pPr>
+        <a:defRPr/>
+      </a:pPr>
+      <a:endParaRPr lang="en-US"/>
+    </a:p>
+  </c:txPr>
+  <c:externalData r:id="rId3">
+    <c:autoUpdate val="0"/>
+  </c:externalData>
+</c:chartSpace>
+</file>
+
+<file path=ppt/charts/colors1.xml><?xml version="1.0" encoding="utf-8"?>
+<cs:colorStyle xmlns:cs="http://schemas.microsoft.com/office/drawing/2012/chartStyle" xmlns:a="http://schemas.openxmlformats.org/drawingml/2006/main" meth="cycle" id="10">
+  <a:schemeClr val="accent1"/>
+  <a:schemeClr val="accent2"/>
+  <a:schemeClr val="accent3"/>
+  <a:schemeClr val="accent4"/>
+  <a:schemeClr val="accent5"/>
+  <a:schemeClr val="accent6"/>
+  <cs:variation/>
+  <cs:variation>
+    <a:lumMod val="60000"/>
+  </cs:variation>
+  <cs:variation>
+    <a:lumMod val="80000"/>
+    <a:lumOff val="20000"/>
+  </cs:variation>
+  <cs:variation>
+    <a:lumMod val="80000"/>
+  </cs:variation>
+  <cs:variation>
+    <a:lumMod val="60000"/>
+    <a:lumOff val="40000"/>
+  </cs:variation>
+  <cs:variation>
+    <a:lumMod val="50000"/>
+  </cs:variation>
+  <cs:variation>
+    <a:lumMod val="70000"/>
+    <a:lumOff val="30000"/>
+  </cs:variation>
+  <cs:variation>
+    <a:lumMod val="70000"/>
+  </cs:variation>
+  <cs:variation>
+    <a:lumMod val="50000"/>
+    <a:lumOff val="50000"/>
+  </cs:variation>
+</cs:colorStyle>
+</file>
+
+<file path=ppt/charts/style1.xml><?xml version="1.0" encoding="utf-8"?>
+<cs:chartStyle xmlns:cs="http://schemas.microsoft.com/office/drawing/2012/chartStyle" xmlns:a="http://schemas.openxmlformats.org/drawingml/2006/main" id="332">
+  <cs:axisTitle>
+    <cs:lnRef idx="0"/>
+    <cs:fillRef idx="0"/>
+    <cs:effectRef idx="0"/>
+    <cs:fontRef idx="minor">
+      <a:schemeClr val="tx1">
+        <a:lumMod val="65000"/>
+        <a:lumOff val="35000"/>
+      </a:schemeClr>
+    </cs:fontRef>
+    <cs:defRPr sz="1330" kern="1200"/>
+  </cs:axisTitle>
+  <cs:categoryAxis>
+    <cs:lnRef idx="0"/>
+    <cs:fillRef idx="0"/>
+    <cs:effectRef idx="0"/>
+    <cs:fontRef idx="minor">
+      <a:schemeClr val="tx1">
+        <a:lumMod val="65000"/>
+        <a:lumOff val="35000"/>
+      </a:schemeClr>
+    </cs:fontRef>
+    <cs:spPr>
+      <a:ln w="9525" cap="flat" cmpd="sng" algn="ctr">
+        <a:solidFill>
+          <a:schemeClr val="tx1">
+            <a:lumMod val="15000"/>
+            <a:lumOff val="85000"/>
+          </a:schemeClr>
+        </a:solidFill>
+        <a:round/>
+      </a:ln>
+    </cs:spPr>
+    <cs:defRPr sz="1197" kern="1200"/>
+  </cs:categoryAxis>
+  <cs:chartArea mods="allowNoFillOverride allowNoLineOverride">
+    <cs:lnRef idx="0"/>
+    <cs:fillRef idx="0"/>
+    <cs:effectRef idx="0"/>
+    <cs:fontRef idx="minor">
+      <a:schemeClr val="tx1"/>
+    </cs:fontRef>
+    <cs:spPr>
+      <a:solidFill>
+        <a:schemeClr val="bg1"/>
+      </a:solidFill>
+      <a:ln w="9525" cap="flat" cmpd="sng" algn="ctr">
+        <a:solidFill>
+          <a:schemeClr val="tx1">
+            <a:lumMod val="15000"/>
+            <a:lumOff val="85000"/>
+          </a:schemeClr>
+        </a:solidFill>
+        <a:round/>
+      </a:ln>
+    </cs:spPr>
+    <cs:defRPr sz="1330" kern="1200"/>
+  </cs:chartArea>
+  <cs:dataLabel>
+    <cs:lnRef idx="0"/>
+    <cs:fillRef idx="0"/>
+    <cs:effectRef idx="0"/>
+    <cs:fontRef idx="minor">
+      <a:schemeClr val="tx1">
+        <a:lumMod val="75000"/>
+        <a:lumOff val="25000"/>
+      </a:schemeClr>
+    </cs:fontRef>
+    <cs:defRPr sz="1197" kern="1200"/>
+  </cs:dataLabel>
+  <cs:dataLabelCallout>
+    <cs:lnRef idx="0"/>
+    <cs:fillRef idx="0"/>
+    <cs:effectRef idx="0"/>
+    <cs:fontRef idx="minor">
+      <a:schemeClr val="dk1">
+        <a:lumMod val="65000"/>
+        <a:lumOff val="35000"/>
+      </a:schemeClr>
+    </cs:fontRef>
+    <cs:spPr>
+      <a:solidFill>
+        <a:schemeClr val="lt1"/>
+      </a:solidFill>
+      <a:ln>
+        <a:solidFill>
+          <a:schemeClr val="dk1">
+            <a:lumMod val="25000"/>
+            <a:lumOff val="75000"/>
+          </a:schemeClr>
+        </a:solidFill>
+      </a:ln>
+    </cs:spPr>
+    <cs:defRPr sz="1197" kern="1200"/>
+    <cs:bodyPr rot="0" spcFirstLastPara="1" vertOverflow="clip" horzOverflow="clip" vert="horz" wrap="square" lIns="36576" tIns="18288" rIns="36576" bIns="18288" anchor="ctr" anchorCtr="1">
+      <a:spAutoFit/>
+    </cs:bodyPr>
+  </cs:dataLabelCallout>
+  <cs:dataPoint>
+    <cs:lnRef idx="0"/>
+    <cs:fillRef idx="1">
+      <cs:styleClr val="auto"/>
+    </cs:fillRef>
+    <cs:effectRef idx="0"/>
+    <cs:fontRef idx="minor">
+      <a:schemeClr val="tx1"/>
+    </cs:fontRef>
+  </cs:dataPoint>
+  <cs:dataPoint3D>
+    <cs:lnRef idx="0"/>
+    <cs:fillRef idx="1">
+      <cs:styleClr val="auto"/>
+    </cs:fillRef>
+    <cs:effectRef idx="0"/>
+    <cs:fontRef idx="minor">
+      <a:schemeClr val="tx1"/>
+    </cs:fontRef>
+  </cs:dataPoint3D>
+  <cs:dataPointLine>
+    <cs:lnRef idx="0">
+      <cs:styleClr val="auto"/>
+    </cs:lnRef>
+    <cs:fillRef idx="1"/>
+    <cs:effectRef idx="0"/>
+    <cs:fontRef idx="minor">
+      <a:schemeClr val="tx1"/>
+    </cs:fontRef>
+    <cs:spPr>
+      <a:ln w="28575" cap="rnd">
+        <a:solidFill>
+          <a:schemeClr val="phClr"/>
+        </a:solidFill>
+        <a:round/>
+      </a:ln>
+    </cs:spPr>
+  </cs:dataPointLine>
+  <cs:dataPointMarker>
+    <cs:lnRef idx="0">
+      <cs:styleClr val="auto"/>
+    </cs:lnRef>
+    <cs:fillRef idx="1">
+      <cs:styleClr val="auto"/>
+    </cs:fillRef>
+    <cs:effectRef idx="0"/>
+    <cs:fontRef idx="minor">
+      <a:schemeClr val="tx1"/>
+    </cs:fontRef>
+    <cs:spPr>
+      <a:ln w="9525">
+        <a:solidFill>
+          <a:schemeClr val="phClr"/>
+        </a:solidFill>
+      </a:ln>
+    </cs:spPr>
+  </cs:dataPointMarker>
+  <cs:dataPointMarkerLayout symbol="circle" size="5"/>
+  <cs:dataPointWireframe>
+    <cs:lnRef idx="0">
+      <cs:styleClr val="auto"/>
+    </cs:lnRef>
+    <cs:fillRef idx="1"/>
+    <cs:effectRef idx="0"/>
+    <cs:fontRef idx="minor">
+      <a:schemeClr val="tx1"/>
+    </cs:fontRef>
+    <cs:spPr>
+      <a:ln w="9525" cap="rnd">
+        <a:solidFill>
+          <a:schemeClr val="phClr"/>
+        </a:solidFill>
+        <a:round/>
+      </a:ln>
+    </cs:spPr>
+  </cs:dataPointWireframe>
+  <cs:dataTable>
+    <cs:lnRef idx="0"/>
+    <cs:fillRef idx="0"/>
+    <cs:effectRef idx="0"/>
+    <cs:fontRef idx="minor">
+      <a:schemeClr val="tx1">
+        <a:lumMod val="65000"/>
+        <a:lumOff val="35000"/>
+      </a:schemeClr>
+    </cs:fontRef>
+    <cs:spPr>
+      <a:noFill/>
+      <a:ln w="9525" cap="flat" cmpd="sng" algn="ctr">
+        <a:solidFill>
+          <a:schemeClr val="tx1">
+            <a:lumMod val="15000"/>
+            <a:lumOff val="85000"/>
+          </a:schemeClr>
+        </a:solidFill>
+        <a:round/>
+      </a:ln>
+    </cs:spPr>
+    <cs:defRPr sz="1197" kern="1200"/>
+  </cs:dataTable>
+  <cs:downBar>
+    <cs:lnRef idx="0"/>
+    <cs:fillRef idx="0"/>
+    <cs:effectRef idx="0"/>
+    <cs:fontRef idx="minor">
+      <a:schemeClr val="dk1"/>
+    </cs:fontRef>
+    <cs:spPr>
+      <a:solidFill>
+        <a:schemeClr val="dk1">
+          <a:lumMod val="65000"/>
+          <a:lumOff val="35000"/>
+        </a:schemeClr>
+      </a:solidFill>
+      <a:ln w="9525">
+        <a:solidFill>
+          <a:schemeClr val="tx1">
+            <a:lumMod val="65000"/>
+            <a:lumOff val="35000"/>
+          </a:schemeClr>
+        </a:solidFill>
+      </a:ln>
+    </cs:spPr>
+  </cs:downBar>
+  <cs:dropLine>
+    <cs:lnRef idx="0"/>
+    <cs:fillRef idx="0"/>
+    <cs:effectRef idx="0"/>
+    <cs:fontRef idx="minor">
+      <a:schemeClr val="tx1"/>
+    </cs:fontRef>
+    <cs:spPr>
+      <a:ln w="9525" cap="flat" cmpd="sng" algn="ctr">
+        <a:solidFill>
+          <a:schemeClr val="tx1">
+            <a:lumMod val="35000"/>
+            <a:lumOff val="65000"/>
+          </a:schemeClr>
+        </a:solidFill>
+        <a:round/>
+      </a:ln>
+    </cs:spPr>
+  </cs:dropLine>
+  <cs:errorBar>
+    <cs:lnRef idx="0"/>
+    <cs:fillRef idx="0"/>
+    <cs:effectRef idx="0"/>
+    <cs:fontRef idx="minor">
+      <a:schemeClr val="tx1"/>
+    </cs:fontRef>
+    <cs:spPr>
+      <a:ln w="9525" cap="flat" cmpd="sng" algn="ctr">
+        <a:solidFill>
+          <a:schemeClr val="tx1">
+            <a:lumMod val="65000"/>
+            <a:lumOff val="35000"/>
+          </a:schemeClr>
+        </a:solidFill>
+        <a:round/>
+      </a:ln>
+    </cs:spPr>
+  </cs:errorBar>
+  <cs:floor>
+    <cs:lnRef idx="0"/>
+    <cs:fillRef idx="0"/>
+    <cs:effectRef idx="0"/>
+    <cs:fontRef idx="minor">
+      <a:schemeClr val="tx1"/>
+    </cs:fontRef>
+    <cs:spPr>
+      <a:noFill/>
+      <a:ln>
+        <a:noFill/>
+      </a:ln>
+    </cs:spPr>
+  </cs:floor>
+  <cs:gridlineMajor>
+    <cs:lnRef idx="0"/>
+    <cs:fillRef idx="0"/>
+    <cs:effectRef idx="0"/>
+    <cs:fontRef idx="minor">
+      <a:schemeClr val="tx1"/>
+    </cs:fontRef>
+    <cs:spPr>
+      <a:ln w="9525" cap="flat" cmpd="sng" algn="ctr">
+        <a:solidFill>
+          <a:schemeClr val="tx1">
+            <a:lumMod val="15000"/>
+            <a:lumOff val="85000"/>
+          </a:schemeClr>
+        </a:solidFill>
+        <a:round/>
+      </a:ln>
+    </cs:spPr>
+  </cs:gridlineMajor>
+  <cs:gridlineMinor>
+    <cs:lnRef idx="0"/>
+    <cs:fillRef idx="0"/>
+    <cs:effectRef idx="0"/>
+    <cs:fontRef idx="minor">
+      <a:schemeClr val="tx1"/>
+    </cs:fontRef>
+    <cs:spPr>
+      <a:ln w="9525" cap="flat" cmpd="sng" algn="ctr">
+        <a:solidFill>
+          <a:schemeClr val="tx1">
+            <a:lumMod val="5000"/>
+            <a:lumOff val="95000"/>
+          </a:schemeClr>
+        </a:solidFill>
+        <a:round/>
+      </a:ln>
+    </cs:spPr>
+  </cs:gridlineMinor>
+  <cs:hiLoLine>
+    <cs:lnRef idx="0"/>
+    <cs:fillRef idx="0"/>
+    <cs:effectRef idx="0"/>
+    <cs:fontRef idx="minor">
+      <a:schemeClr val="tx1"/>
+    </cs:fontRef>
+    <cs:spPr>
+      <a:ln w="9525" cap="flat" cmpd="sng" algn="ctr">
+        <a:solidFill>
+          <a:schemeClr val="tx1">
+            <a:lumMod val="75000"/>
+            <a:lumOff val="25000"/>
+          </a:schemeClr>
+        </a:solidFill>
+        <a:round/>
+      </a:ln>
+    </cs:spPr>
+  </cs:hiLoLine>
+  <cs:leaderLine>
+    <cs:lnRef idx="0"/>
+    <cs:fillRef idx="0"/>
+    <cs:effectRef idx="0"/>
+    <cs:fontRef idx="minor">
+      <a:schemeClr val="tx1"/>
+    </cs:fontRef>
+    <cs:spPr>
+      <a:ln w="9525" cap="flat" cmpd="sng" algn="ctr">
+        <a:solidFill>
+          <a:schemeClr val="tx1">
+            <a:lumMod val="35000"/>
+            <a:lumOff val="65000"/>
+          </a:schemeClr>
+        </a:solidFill>
+        <a:round/>
+      </a:ln>
+    </cs:spPr>
+  </cs:leaderLine>
+  <cs:legend>
+    <cs:lnRef idx="0"/>
+    <cs:fillRef idx="0"/>
+    <cs:effectRef idx="0"/>
+    <cs:fontRef idx="minor">
+      <a:schemeClr val="tx1">
+        <a:lumMod val="65000"/>
+        <a:lumOff val="35000"/>
+      </a:schemeClr>
+    </cs:fontRef>
+    <cs:defRPr sz="1197" kern="1200"/>
+  </cs:legend>
+  <cs:plotArea mods="allowNoFillOverride allowNoLineOverride">
+    <cs:lnRef idx="0"/>
+    <cs:fillRef idx="0"/>
+    <cs:effectRef idx="0"/>
+    <cs:fontRef idx="minor">
+      <a:schemeClr val="tx1"/>
+    </cs:fontRef>
+  </cs:plotArea>
+  <cs:plotArea3D mods="allowNoFillOverride allowNoLineOverride">
+    <cs:lnRef idx="0"/>
+    <cs:fillRef idx="0"/>
+    <cs:effectRef idx="0"/>
+    <cs:fontRef idx="minor">
+      <a:schemeClr val="tx1"/>
+    </cs:fontRef>
+  </cs:plotArea3D>
+  <cs:seriesAxis>
+    <cs:lnRef idx="0"/>
+    <cs:fillRef idx="0"/>
+    <cs:effectRef idx="0"/>
+    <cs:fontRef idx="minor">
+      <a:schemeClr val="tx1">
+        <a:lumMod val="65000"/>
+        <a:lumOff val="35000"/>
+      </a:schemeClr>
+    </cs:fontRef>
+    <cs:defRPr sz="1197" kern="1200"/>
+  </cs:seriesAxis>
+  <cs:seriesLine>
+    <cs:lnRef idx="0"/>
+    <cs:fillRef idx="0"/>
+    <cs:effectRef idx="0"/>
+    <cs:fontRef idx="minor">
+      <a:schemeClr val="tx1"/>
+    </cs:fontRef>
+    <cs:spPr>
+      <a:ln w="9525" cap="flat" cmpd="sng" algn="ctr">
+        <a:solidFill>
+          <a:schemeClr val="tx1">
+            <a:lumMod val="35000"/>
+            <a:lumOff val="65000"/>
+          </a:schemeClr>
+        </a:solidFill>
+        <a:round/>
+      </a:ln>
+    </cs:spPr>
+  </cs:seriesLine>
+  <cs:title>
+    <cs:lnRef idx="0"/>
+    <cs:fillRef idx="0"/>
+    <cs:effectRef idx="0"/>
+    <cs:fontRef idx="minor">
+      <a:schemeClr val="tx1">
+        <a:lumMod val="65000"/>
+        <a:lumOff val="35000"/>
+      </a:schemeClr>
+    </cs:fontRef>
+    <cs:defRPr sz="1862" b="0" kern="1200" spc="0" baseline="0"/>
+  </cs:title>
+  <cs:trendline>
+    <cs:lnRef idx="0">
+      <cs:styleClr val="auto"/>
+    </cs:lnRef>
+    <cs:fillRef idx="0"/>
+    <cs:effectRef idx="0"/>
+    <cs:fontRef idx="minor">
+      <a:schemeClr val="tx1"/>
+    </cs:fontRef>
+    <cs:spPr>
+      <a:ln w="19050" cap="rnd">
+        <a:solidFill>
+          <a:schemeClr val="phClr"/>
+        </a:solidFill>
+        <a:prstDash val="sysDot"/>
+      </a:ln>
+    </cs:spPr>
+  </cs:trendline>
+  <cs:trendlineLabel>
+    <cs:lnRef idx="0"/>
+    <cs:fillRef idx="0"/>
+    <cs:effectRef idx="0"/>
+    <cs:fontRef idx="minor">
+      <a:schemeClr val="tx1">
+        <a:lumMod val="65000"/>
+        <a:lumOff val="35000"/>
+      </a:schemeClr>
+    </cs:fontRef>
+    <cs:defRPr sz="1197" kern="1200"/>
+  </cs:trendlineLabel>
+  <cs:upBar>
+    <cs:lnRef idx="0"/>
+    <cs:fillRef idx="0"/>
+    <cs:effectRef idx="0"/>
+    <cs:fontRef idx="minor">
+      <a:schemeClr val="dk1"/>
+    </cs:fontRef>
+    <cs:spPr>
+      <a:solidFill>
+        <a:schemeClr val="lt1"/>
+      </a:solidFill>
+      <a:ln w="9525">
+        <a:solidFill>
+          <a:schemeClr val="tx1">
+            <a:lumMod val="15000"/>
+            <a:lumOff val="85000"/>
+          </a:schemeClr>
+        </a:solidFill>
+      </a:ln>
+    </cs:spPr>
+  </cs:upBar>
+  <cs:valueAxis>
+    <cs:lnRef idx="0"/>
+    <cs:fillRef idx="0"/>
+    <cs:effectRef idx="0"/>
+    <cs:fontRef idx="minor">
+      <a:schemeClr val="tx1">
+        <a:lumMod val="65000"/>
+        <a:lumOff val="35000"/>
+      </a:schemeClr>
+    </cs:fontRef>
+    <cs:defRPr sz="1197" kern="1200"/>
+  </cs:valueAxis>
+  <cs:wall>
+    <cs:lnRef idx="0"/>
+    <cs:fillRef idx="0"/>
+    <cs:effectRef idx="0"/>
+    <cs:fontRef idx="minor">
+      <a:schemeClr val="tx1"/>
+    </cs:fontRef>
+    <cs:spPr>
+      <a:noFill/>
+      <a:ln>
+        <a:noFill/>
+      </a:ln>
+    </cs:spPr>
+  </cs:wall>
+</cs:chartStyle>
 </file>
 
 <file path=ppt/notesMasters/notesMaster1.xml><?xml version="1.0" encoding="utf-8"?>
@@ -9525,8 +10647,8 @@
           </a:prstGeom>
         </p:spPr>
       </p:pic>
-      <mc:AlternateContent xmlns:mc="http://schemas.openxmlformats.org/markup-compatibility/2006">
-        <mc:Choice xmlns:a14="http://schemas.microsoft.com/office/drawing/2010/main" Requires="a14">
+      <mc:AlternateContent xmlns:mc="http://schemas.openxmlformats.org/markup-compatibility/2006" xmlns:a14="http://schemas.microsoft.com/office/drawing/2010/main">
+        <mc:Choice Requires="a14">
           <p:sp>
             <p:nvSpPr>
               <p:cNvPr id="6" name="Rectangle 5"/>
@@ -9889,7 +11011,7 @@
             </p:txBody>
           </p:sp>
         </mc:Choice>
-        <mc:Fallback>
+        <mc:Fallback xmlns="">
           <p:sp>
             <p:nvSpPr>
               <p:cNvPr id="6" name="Rectangle 5"/>
@@ -10336,10 +11458,682 @@
               <a:buNone/>
             </a:pPr>
             <a:r>
-              <a:rPr lang="en" sz="2800" dirty="0">
+              <a:rPr lang="en" sz="2400" dirty="0">
                 <a:latin typeface="+mj-lt"/>
               </a:rPr>
-              <a:t>ALGORITHM FLOWCHART</a:t>
+              <a:t>PARALLEL ALGORITHM FLOWCHART</a:t>
+            </a:r>
+          </a:p>
+        </p:txBody>
+      </p:sp>
+      <p:sp>
+        <p:nvSpPr>
+          <p:cNvPr id="2" name="Rectangle: Rounded Corners 1"/>
+          <p:cNvSpPr/>
+          <p:nvPr/>
+        </p:nvSpPr>
+        <p:spPr>
+          <a:xfrm>
+            <a:off x="1115035" y="1266091"/>
+            <a:ext cx="1512275" cy="773722"/>
+          </a:xfrm>
+          <a:prstGeom prst="roundRect">
+            <a:avLst/>
+          </a:prstGeom>
+          <a:solidFill>
+            <a:schemeClr val="accent3">
+              <a:lumMod val="60000"/>
+              <a:lumOff val="40000"/>
+            </a:schemeClr>
+          </a:solidFill>
+          <a:ln>
+            <a:solidFill>
+              <a:schemeClr val="bg1"/>
+            </a:solidFill>
+          </a:ln>
+        </p:spPr>
+        <p:style>
+          <a:lnRef idx="2">
+            <a:schemeClr val="accent1">
+              <a:shade val="50000"/>
+            </a:schemeClr>
+          </a:lnRef>
+          <a:fillRef idx="1">
+            <a:schemeClr val="accent1"/>
+          </a:fillRef>
+          <a:effectRef idx="0">
+            <a:schemeClr val="accent1"/>
+          </a:effectRef>
+          <a:fontRef idx="minor">
+            <a:schemeClr val="lt1"/>
+          </a:fontRef>
+        </p:style>
+        <p:txBody>
+          <a:bodyPr rtlCol="0" anchor="ctr"/>
+          <a:lstStyle/>
+          <a:p>
+            <a:pPr algn="ctr"/>
+            <a:r>
+              <a:rPr lang="en-US" dirty="0"/>
+              <a:t>Start</a:t>
+            </a:r>
+          </a:p>
+        </p:txBody>
+      </p:sp>
+      <p:sp>
+        <p:nvSpPr>
+          <p:cNvPr id="5" name="Rectangle: Rounded Corners 4"/>
+          <p:cNvSpPr/>
+          <p:nvPr/>
+        </p:nvSpPr>
+        <p:spPr>
+          <a:xfrm>
+            <a:off x="6370153" y="4001438"/>
+            <a:ext cx="1512275" cy="773722"/>
+          </a:xfrm>
+          <a:prstGeom prst="roundRect">
+            <a:avLst/>
+          </a:prstGeom>
+          <a:solidFill>
+            <a:schemeClr val="accent3">
+              <a:lumMod val="60000"/>
+              <a:lumOff val="40000"/>
+            </a:schemeClr>
+          </a:solidFill>
+          <a:ln>
+            <a:solidFill>
+              <a:schemeClr val="bg1"/>
+            </a:solidFill>
+          </a:ln>
+        </p:spPr>
+        <p:style>
+          <a:lnRef idx="2">
+            <a:schemeClr val="accent1">
+              <a:shade val="50000"/>
+            </a:schemeClr>
+          </a:lnRef>
+          <a:fillRef idx="1">
+            <a:schemeClr val="accent1"/>
+          </a:fillRef>
+          <a:effectRef idx="0">
+            <a:schemeClr val="accent1"/>
+          </a:effectRef>
+          <a:fontRef idx="minor">
+            <a:schemeClr val="lt1"/>
+          </a:fontRef>
+        </p:style>
+        <p:txBody>
+          <a:bodyPr rtlCol="0" anchor="ctr"/>
+          <a:lstStyle/>
+          <a:p>
+            <a:pPr algn="ctr"/>
+            <a:r>
+              <a:rPr lang="en-US" dirty="0"/>
+              <a:t>End</a:t>
+            </a:r>
+          </a:p>
+        </p:txBody>
+      </p:sp>
+      <p:sp>
+        <p:nvSpPr>
+          <p:cNvPr id="3" name="Rectangle: Rounded Corners 2"/>
+          <p:cNvSpPr/>
+          <p:nvPr/>
+        </p:nvSpPr>
+        <p:spPr>
+          <a:xfrm>
+            <a:off x="3648807" y="1266091"/>
+            <a:ext cx="1606062" cy="773722"/>
+          </a:xfrm>
+          <a:prstGeom prst="roundRect">
+            <a:avLst/>
+          </a:prstGeom>
+          <a:solidFill>
+            <a:schemeClr val="accent5"/>
+          </a:solidFill>
+          <a:ln>
+            <a:solidFill>
+              <a:schemeClr val="bg1"/>
+            </a:solidFill>
+          </a:ln>
+        </p:spPr>
+        <p:style>
+          <a:lnRef idx="2">
+            <a:schemeClr val="accent1">
+              <a:shade val="50000"/>
+            </a:schemeClr>
+          </a:lnRef>
+          <a:fillRef idx="1">
+            <a:schemeClr val="accent1"/>
+          </a:fillRef>
+          <a:effectRef idx="0">
+            <a:schemeClr val="accent1"/>
+          </a:effectRef>
+          <a:fontRef idx="minor">
+            <a:schemeClr val="lt1"/>
+          </a:fontRef>
+        </p:style>
+        <p:txBody>
+          <a:bodyPr rtlCol="0" anchor="ctr"/>
+          <a:lstStyle/>
+          <a:p>
+            <a:pPr algn="ctr"/>
+            <a:r>
+              <a:rPr lang="en-US" dirty="0"/>
+              <a:t>Initialize Data Structures / Variables</a:t>
+            </a:r>
+          </a:p>
+        </p:txBody>
+      </p:sp>
+      <p:sp>
+        <p:nvSpPr>
+          <p:cNvPr id="8" name="Rectangle: Rounded Corners 7"/>
+          <p:cNvSpPr/>
+          <p:nvPr/>
+        </p:nvSpPr>
+        <p:spPr>
+          <a:xfrm>
+            <a:off x="6276366" y="1266091"/>
+            <a:ext cx="1606062" cy="773722"/>
+          </a:xfrm>
+          <a:prstGeom prst="roundRect">
+            <a:avLst/>
+          </a:prstGeom>
+          <a:solidFill>
+            <a:schemeClr val="accent5"/>
+          </a:solidFill>
+          <a:ln>
+            <a:solidFill>
+              <a:schemeClr val="bg1"/>
+            </a:solidFill>
+          </a:ln>
+        </p:spPr>
+        <p:style>
+          <a:lnRef idx="2">
+            <a:schemeClr val="accent1">
+              <a:shade val="50000"/>
+            </a:schemeClr>
+          </a:lnRef>
+          <a:fillRef idx="1">
+            <a:schemeClr val="accent1"/>
+          </a:fillRef>
+          <a:effectRef idx="0">
+            <a:schemeClr val="accent1"/>
+          </a:effectRef>
+          <a:fontRef idx="minor">
+            <a:schemeClr val="lt1"/>
+          </a:fontRef>
+        </p:style>
+        <p:txBody>
+          <a:bodyPr rtlCol="0" anchor="ctr"/>
+          <a:lstStyle/>
+          <a:p>
+            <a:pPr algn="ctr"/>
+            <a:r>
+              <a:rPr lang="en-US" dirty="0"/>
+              <a:t>First cell added into the pool</a:t>
+            </a:r>
+          </a:p>
+        </p:txBody>
+      </p:sp>
+      <p:sp>
+        <p:nvSpPr>
+          <p:cNvPr id="9" name="Rectangle: Rounded Corners 8"/>
+          <p:cNvSpPr/>
+          <p:nvPr/>
+        </p:nvSpPr>
+        <p:spPr>
+          <a:xfrm>
+            <a:off x="3648807" y="2637268"/>
+            <a:ext cx="1606062" cy="773722"/>
+          </a:xfrm>
+          <a:prstGeom prst="roundRect">
+            <a:avLst/>
+          </a:prstGeom>
+          <a:solidFill>
+            <a:schemeClr val="accent5"/>
+          </a:solidFill>
+          <a:ln>
+            <a:solidFill>
+              <a:schemeClr val="bg1"/>
+            </a:solidFill>
+          </a:ln>
+        </p:spPr>
+        <p:style>
+          <a:lnRef idx="2">
+            <a:schemeClr val="accent1">
+              <a:shade val="50000"/>
+            </a:schemeClr>
+          </a:lnRef>
+          <a:fillRef idx="1">
+            <a:schemeClr val="accent1"/>
+          </a:fillRef>
+          <a:effectRef idx="0">
+            <a:schemeClr val="accent1"/>
+          </a:effectRef>
+          <a:fontRef idx="minor">
+            <a:schemeClr val="lt1"/>
+          </a:fontRef>
+        </p:style>
+        <p:txBody>
+          <a:bodyPr rtlCol="0" anchor="ctr"/>
+          <a:lstStyle/>
+          <a:p>
+            <a:pPr algn="ctr"/>
+            <a:r>
+              <a:rPr lang="en-US" dirty="0"/>
+              <a:t>Thread retrieves an item and starts computing</a:t>
+            </a:r>
+          </a:p>
+        </p:txBody>
+      </p:sp>
+      <p:sp>
+        <p:nvSpPr>
+          <p:cNvPr id="10" name="Rectangle: Rounded Corners 9"/>
+          <p:cNvSpPr/>
+          <p:nvPr/>
+        </p:nvSpPr>
+        <p:spPr>
+          <a:xfrm>
+            <a:off x="6276366" y="2609925"/>
+            <a:ext cx="1606062" cy="773722"/>
+          </a:xfrm>
+          <a:prstGeom prst="roundRect">
+            <a:avLst/>
+          </a:prstGeom>
+          <a:solidFill>
+            <a:schemeClr val="accent5"/>
+          </a:solidFill>
+          <a:ln>
+            <a:solidFill>
+              <a:schemeClr val="bg1"/>
+            </a:solidFill>
+          </a:ln>
+        </p:spPr>
+        <p:style>
+          <a:lnRef idx="2">
+            <a:schemeClr val="accent1">
+              <a:shade val="50000"/>
+            </a:schemeClr>
+          </a:lnRef>
+          <a:fillRef idx="1">
+            <a:schemeClr val="accent1"/>
+          </a:fillRef>
+          <a:effectRef idx="0">
+            <a:schemeClr val="accent1"/>
+          </a:effectRef>
+          <a:fontRef idx="minor">
+            <a:schemeClr val="lt1"/>
+          </a:fontRef>
+        </p:style>
+        <p:txBody>
+          <a:bodyPr rtlCol="0" anchor="ctr"/>
+          <a:lstStyle/>
+          <a:p>
+            <a:pPr algn="ctr"/>
+            <a:r>
+              <a:rPr lang="en-US" dirty="0"/>
+              <a:t>Thread adds another item(s) into the pool</a:t>
+            </a:r>
+          </a:p>
+        </p:txBody>
+      </p:sp>
+      <p:sp>
+        <p:nvSpPr>
+          <p:cNvPr id="4" name="Flowchart: Decision 3"/>
+          <p:cNvSpPr/>
+          <p:nvPr/>
+        </p:nvSpPr>
+        <p:spPr>
+          <a:xfrm>
+            <a:off x="862988" y="2460203"/>
+            <a:ext cx="2016370" cy="1380393"/>
+          </a:xfrm>
+          <a:prstGeom prst="flowChartDecision">
+            <a:avLst/>
+          </a:prstGeom>
+          <a:solidFill>
+            <a:srgbClr val="E4D510"/>
+          </a:solidFill>
+          <a:ln>
+            <a:solidFill>
+              <a:schemeClr val="bg1"/>
+            </a:solidFill>
+          </a:ln>
+        </p:spPr>
+        <p:style>
+          <a:lnRef idx="2">
+            <a:schemeClr val="accent1">
+              <a:shade val="50000"/>
+            </a:schemeClr>
+          </a:lnRef>
+          <a:fillRef idx="1">
+            <a:schemeClr val="accent1"/>
+          </a:fillRef>
+          <a:effectRef idx="0">
+            <a:schemeClr val="accent1"/>
+          </a:effectRef>
+          <a:fontRef idx="minor">
+            <a:schemeClr val="lt1"/>
+          </a:fontRef>
+        </p:style>
+        <p:txBody>
+          <a:bodyPr rtlCol="0" anchor="ctr"/>
+          <a:lstStyle/>
+          <a:p>
+            <a:pPr algn="ctr"/>
+            <a:r>
+              <a:rPr lang="en-US" dirty="0"/>
+              <a:t>Is the matrix complete? </a:t>
+            </a:r>
+          </a:p>
+        </p:txBody>
+      </p:sp>
+      <p:cxnSp>
+        <p:nvCxnSpPr>
+          <p:cNvPr id="11" name="Straight Arrow Connector 10"/>
+          <p:cNvCxnSpPr>
+            <a:endCxn id="3" idx="1"/>
+          </p:cNvCxnSpPr>
+          <p:nvPr/>
+        </p:nvCxnSpPr>
+        <p:spPr>
+          <a:xfrm>
+            <a:off x="2627310" y="1641231"/>
+            <a:ext cx="1021497" cy="11721"/>
+          </a:xfrm>
+          <a:prstGeom prst="straightConnector1">
+            <a:avLst/>
+          </a:prstGeom>
+          <a:ln>
+            <a:tailEnd type="triangle"/>
+          </a:ln>
+        </p:spPr>
+        <p:style>
+          <a:lnRef idx="3">
+            <a:schemeClr val="dk1"/>
+          </a:lnRef>
+          <a:fillRef idx="0">
+            <a:schemeClr val="dk1"/>
+          </a:fillRef>
+          <a:effectRef idx="2">
+            <a:schemeClr val="dk1"/>
+          </a:effectRef>
+          <a:fontRef idx="minor">
+            <a:schemeClr val="tx1"/>
+          </a:fontRef>
+        </p:style>
+      </p:cxnSp>
+      <p:cxnSp>
+        <p:nvCxnSpPr>
+          <p:cNvPr id="14" name="Straight Arrow Connector 13"/>
+          <p:cNvCxnSpPr>
+            <a:stCxn id="3" idx="3"/>
+            <a:endCxn id="8" idx="1"/>
+          </p:cNvCxnSpPr>
+          <p:nvPr/>
+        </p:nvCxnSpPr>
+        <p:spPr>
+          <a:xfrm>
+            <a:off x="5254869" y="1652952"/>
+            <a:ext cx="1021497" cy="0"/>
+          </a:xfrm>
+          <a:prstGeom prst="straightConnector1">
+            <a:avLst/>
+          </a:prstGeom>
+          <a:ln>
+            <a:tailEnd type="triangle"/>
+          </a:ln>
+        </p:spPr>
+        <p:style>
+          <a:lnRef idx="3">
+            <a:schemeClr val="dk1"/>
+          </a:lnRef>
+          <a:fillRef idx="0">
+            <a:schemeClr val="dk1"/>
+          </a:fillRef>
+          <a:effectRef idx="2">
+            <a:schemeClr val="dk1"/>
+          </a:effectRef>
+          <a:fontRef idx="minor">
+            <a:schemeClr val="tx1"/>
+          </a:fontRef>
+        </p:style>
+      </p:cxnSp>
+      <p:cxnSp>
+        <p:nvCxnSpPr>
+          <p:cNvPr id="17" name="Straight Arrow Connector 16"/>
+          <p:cNvCxnSpPr>
+            <a:stCxn id="9" idx="3"/>
+            <a:endCxn id="10" idx="1"/>
+          </p:cNvCxnSpPr>
+          <p:nvPr/>
+        </p:nvCxnSpPr>
+        <p:spPr>
+          <a:xfrm flipV="1">
+            <a:off x="5254869" y="2996786"/>
+            <a:ext cx="1021497" cy="27343"/>
+          </a:xfrm>
+          <a:prstGeom prst="straightConnector1">
+            <a:avLst/>
+          </a:prstGeom>
+          <a:ln>
+            <a:tailEnd type="triangle"/>
+          </a:ln>
+        </p:spPr>
+        <p:style>
+          <a:lnRef idx="3">
+            <a:schemeClr val="dk1"/>
+          </a:lnRef>
+          <a:fillRef idx="0">
+            <a:schemeClr val="dk1"/>
+          </a:fillRef>
+          <a:effectRef idx="2">
+            <a:schemeClr val="dk1"/>
+          </a:effectRef>
+          <a:fontRef idx="minor">
+            <a:schemeClr val="tx1"/>
+          </a:fontRef>
+        </p:style>
+      </p:cxnSp>
+      <p:cxnSp>
+        <p:nvCxnSpPr>
+          <p:cNvPr id="24" name="Connector: Elbow 23"/>
+          <p:cNvCxnSpPr>
+            <a:stCxn id="8" idx="2"/>
+            <a:endCxn id="4" idx="0"/>
+          </p:cNvCxnSpPr>
+          <p:nvPr/>
+        </p:nvCxnSpPr>
+        <p:spPr>
+          <a:xfrm rot="5400000">
+            <a:off x="4265090" y="-354104"/>
+            <a:ext cx="420390" cy="5208224"/>
+          </a:xfrm>
+          <a:prstGeom prst="bentConnector3">
+            <a:avLst/>
+          </a:prstGeom>
+          <a:ln>
+            <a:tailEnd type="triangle"/>
+          </a:ln>
+        </p:spPr>
+        <p:style>
+          <a:lnRef idx="2">
+            <a:schemeClr val="dk1"/>
+          </a:lnRef>
+          <a:fillRef idx="0">
+            <a:schemeClr val="dk1"/>
+          </a:fillRef>
+          <a:effectRef idx="1">
+            <a:schemeClr val="dk1"/>
+          </a:effectRef>
+          <a:fontRef idx="minor">
+            <a:schemeClr val="tx1"/>
+          </a:fontRef>
+        </p:style>
+      </p:cxnSp>
+      <p:cxnSp>
+        <p:nvCxnSpPr>
+          <p:cNvPr id="26" name="Straight Arrow Connector 25"/>
+          <p:cNvCxnSpPr>
+            <a:endCxn id="9" idx="1"/>
+          </p:cNvCxnSpPr>
+          <p:nvPr/>
+        </p:nvCxnSpPr>
+        <p:spPr>
+          <a:xfrm>
+            <a:off x="2766646" y="3010457"/>
+            <a:ext cx="882161" cy="13672"/>
+          </a:xfrm>
+          <a:prstGeom prst="straightConnector1">
+            <a:avLst/>
+          </a:prstGeom>
+          <a:ln>
+            <a:tailEnd type="triangle"/>
+          </a:ln>
+        </p:spPr>
+        <p:style>
+          <a:lnRef idx="3">
+            <a:schemeClr val="dk1"/>
+          </a:lnRef>
+          <a:fillRef idx="0">
+            <a:schemeClr val="dk1"/>
+          </a:fillRef>
+          <a:effectRef idx="2">
+            <a:schemeClr val="dk1"/>
+          </a:effectRef>
+          <a:fontRef idx="minor">
+            <a:schemeClr val="tx1"/>
+          </a:fontRef>
+        </p:style>
+      </p:cxnSp>
+      <p:cxnSp>
+        <p:nvCxnSpPr>
+          <p:cNvPr id="30" name="Connector: Elbow 29"/>
+          <p:cNvCxnSpPr>
+            <a:endCxn id="5" idx="1"/>
+          </p:cNvCxnSpPr>
+          <p:nvPr/>
+        </p:nvCxnSpPr>
+        <p:spPr>
+          <a:xfrm>
+            <a:off x="1871172" y="3840596"/>
+            <a:ext cx="4498981" cy="547703"/>
+          </a:xfrm>
+          <a:prstGeom prst="bentConnector3">
+            <a:avLst/>
+          </a:prstGeom>
+          <a:ln>
+            <a:tailEnd type="triangle"/>
+          </a:ln>
+        </p:spPr>
+        <p:style>
+          <a:lnRef idx="2">
+            <a:schemeClr val="dk1"/>
+          </a:lnRef>
+          <a:fillRef idx="0">
+            <a:schemeClr val="dk1"/>
+          </a:fillRef>
+          <a:effectRef idx="1">
+            <a:schemeClr val="dk1"/>
+          </a:effectRef>
+          <a:fontRef idx="minor">
+            <a:schemeClr val="tx1"/>
+          </a:fontRef>
+        </p:style>
+      </p:cxnSp>
+      <p:cxnSp>
+        <p:nvCxnSpPr>
+          <p:cNvPr id="128" name="Connector: Elbow 127"/>
+          <p:cNvCxnSpPr>
+            <a:stCxn id="10" idx="0"/>
+            <a:endCxn id="4" idx="0"/>
+          </p:cNvCxnSpPr>
+          <p:nvPr/>
+        </p:nvCxnSpPr>
+        <p:spPr>
+          <a:xfrm rot="16200000" flipV="1">
+            <a:off x="4400424" y="-69048"/>
+            <a:ext cx="149722" cy="5208224"/>
+          </a:xfrm>
+          <a:prstGeom prst="bentConnector3">
+            <a:avLst>
+              <a:gd name="adj1" fmla="val 252683"/>
+            </a:avLst>
+          </a:prstGeom>
+          <a:ln>
+            <a:tailEnd type="triangle"/>
+          </a:ln>
+        </p:spPr>
+        <p:style>
+          <a:lnRef idx="2">
+            <a:schemeClr val="dk1"/>
+          </a:lnRef>
+          <a:fillRef idx="0">
+            <a:schemeClr val="dk1"/>
+          </a:fillRef>
+          <a:effectRef idx="1">
+            <a:schemeClr val="dk1"/>
+          </a:effectRef>
+          <a:fontRef idx="minor">
+            <a:schemeClr val="tx1"/>
+          </a:fontRef>
+        </p:style>
+      </p:cxnSp>
+      <p:sp>
+        <p:nvSpPr>
+          <p:cNvPr id="129" name="TextBox 128"/>
+          <p:cNvSpPr txBox="1"/>
+          <p:nvPr/>
+        </p:nvSpPr>
+        <p:spPr>
+          <a:xfrm>
+            <a:off x="3000778" y="2726704"/>
+            <a:ext cx="413896" cy="307777"/>
+          </a:xfrm>
+          <a:prstGeom prst="rect">
+            <a:avLst/>
+          </a:prstGeom>
+          <a:noFill/>
+        </p:spPr>
+        <p:txBody>
+          <a:bodyPr wrap="none" rtlCol="0">
+            <a:spAutoFit/>
+          </a:bodyPr>
+          <a:lstStyle/>
+          <a:p>
+            <a:r>
+              <a:rPr lang="en-US" dirty="0"/>
+              <a:t>No</a:t>
+            </a:r>
+          </a:p>
+        </p:txBody>
+      </p:sp>
+      <p:sp>
+        <p:nvSpPr>
+          <p:cNvPr id="36" name="TextBox 35"/>
+          <p:cNvSpPr txBox="1"/>
+          <p:nvPr/>
+        </p:nvSpPr>
+        <p:spPr>
+          <a:xfrm>
+            <a:off x="2803743" y="3572360"/>
+            <a:ext cx="494046" cy="307777"/>
+          </a:xfrm>
+          <a:prstGeom prst="rect">
+            <a:avLst/>
+          </a:prstGeom>
+          <a:noFill/>
+        </p:spPr>
+        <p:txBody>
+          <a:bodyPr wrap="none" rtlCol="0">
+            <a:spAutoFit/>
+          </a:bodyPr>
+          <a:lstStyle/>
+          <a:p>
+            <a:r>
+              <a:rPr lang="en-US" dirty="0"/>
+              <a:t>Yes</a:t>
             </a:r>
           </a:p>
         </p:txBody>
@@ -10848,6 +12642,28 @@
           </a:p>
         </p:txBody>
       </p:sp>
+      <p:graphicFrame>
+        <p:nvGraphicFramePr>
+          <p:cNvPr id="4" name="Chart 3"/>
+          <p:cNvGraphicFramePr/>
+          <p:nvPr>
+            <p:extLst>
+              <p:ext uri="{D42A27DB-BD31-4B8C-83A1-F6EECF244321}">
+                <p14:modId xmlns:p14="http://schemas.microsoft.com/office/powerpoint/2010/main" val="2293822217"/>
+              </p:ext>
+            </p:extLst>
+          </p:nvPr>
+        </p:nvGraphicFramePr>
+        <p:xfrm>
+          <a:off x="1524000" y="1079500"/>
+          <a:ext cx="5931877" cy="3955072"/>
+        </p:xfrm>
+        <a:graphic>
+          <a:graphicData uri="http://schemas.openxmlformats.org/drawingml/2006/chart">
+            <c:chart xmlns:c="http://schemas.openxmlformats.org/drawingml/2006/chart" xmlns:r="http://schemas.openxmlformats.org/officeDocument/2006/relationships" r:id="rId4"/>
+          </a:graphicData>
+        </a:graphic>
+      </p:graphicFrame>
     </p:spTree>
   </p:cSld>
   <p:clrMapOvr>
